--- a/12_7_to_12_11_sixth/6.word2vec.pptx
+++ b/12_7_to_12_11_sixth/6.word2vec.pptx
@@ -5,7 +5,7 @@
     <p:sldMasterId id="2147483648" r:id="rId1"/>
   </p:sldMasterIdLst>
   <p:notesMasterIdLst>
-    <p:notesMasterId r:id="rId29"/>
+    <p:notesMasterId r:id="rId30"/>
   </p:notesMasterIdLst>
   <p:sldIdLst>
     <p:sldId id="256" r:id="rId2"/>
@@ -34,12 +34,13 @@
     <p:sldId id="296" r:id="rId25"/>
     <p:sldId id="297" r:id="rId26"/>
     <p:sldId id="298" r:id="rId27"/>
-    <p:sldId id="261" r:id="rId28"/>
+    <p:sldId id="299" r:id="rId28"/>
+    <p:sldId id="261" r:id="rId29"/>
   </p:sldIdLst>
   <p:sldSz cx="12192000" cy="6858000"/>
   <p:notesSz cx="6858000" cy="9144000"/>
   <p:custDataLst>
-    <p:tags r:id="rId30"/>
+    <p:tags r:id="rId31"/>
   </p:custDataLst>
   <p:defaultTextStyle>
     <a:defPPr>
@@ -138,7 +139,7 @@
   </p:defaultTextStyle>
   <p:extLst>
     <p:ext uri="{EFAFB233-063F-42B5-8137-9DF3F51BA10A}">
-      <p15:sldGuideLst xmlns:p15="http://schemas.microsoft.com/office/powerpoint/2012/main" xmlns=""/>
+      <p15:sldGuideLst xmlns="" xmlns:p15="http://schemas.microsoft.com/office/powerpoint/2012/main"/>
     </p:ext>
   </p:extLst>
 </p:presentation>
@@ -802,7 +803,7 @@
           <p:cNvPr id="14" name="文本占位符 13">
             <a:extLst>
               <a:ext uri="{FF2B5EF4-FFF2-40B4-BE49-F238E27FC236}">
-                <a16:creationId xmlns:a16="http://schemas.microsoft.com/office/drawing/2014/main" xmlns:p14="http://schemas.microsoft.com/office/powerpoint/2010/main" xmlns:a14="http://schemas.microsoft.com/office/drawing/2010/main" xmlns="" id="{BF6FBA57-2912-4D35-BBCB-4C2C6052F9AA}"/>
+                <a16:creationId xmlns="" xmlns:a14="http://schemas.microsoft.com/office/drawing/2010/main" xmlns:p14="http://schemas.microsoft.com/office/powerpoint/2010/main" xmlns:a16="http://schemas.microsoft.com/office/drawing/2014/main" id="{BF6FBA57-2912-4D35-BBCB-4C2C6052F9AA}"/>
               </a:ext>
             </a:extLst>
           </p:cNvPr>
@@ -1254,7 +1255,7 @@
           <p:cNvPr id="3" name="日期占位符 2">
             <a:extLst>
               <a:ext uri="{FF2B5EF4-FFF2-40B4-BE49-F238E27FC236}">
-                <a16:creationId xmlns:a16="http://schemas.microsoft.com/office/drawing/2014/main" xmlns:p14="http://schemas.microsoft.com/office/powerpoint/2010/main" xmlns="" id="{9888B6D7-9D3F-49D7-BACE-73A9D1149A74}"/>
+                <a16:creationId xmlns="" xmlns:p14="http://schemas.microsoft.com/office/powerpoint/2010/main" xmlns:a16="http://schemas.microsoft.com/office/drawing/2014/main" id="{9888B6D7-9D3F-49D7-BACE-73A9D1149A74}"/>
               </a:ext>
             </a:extLst>
           </p:cNvPr>
@@ -1284,7 +1285,7 @@
           <p:cNvPr id="4" name="页脚占位符 3">
             <a:extLst>
               <a:ext uri="{FF2B5EF4-FFF2-40B4-BE49-F238E27FC236}">
-                <a16:creationId xmlns:a16="http://schemas.microsoft.com/office/drawing/2014/main" xmlns:p14="http://schemas.microsoft.com/office/powerpoint/2010/main" xmlns="" id="{7AC997A4-1DD8-4731-B9FD-42398A20FF85}"/>
+                <a16:creationId xmlns="" xmlns:p14="http://schemas.microsoft.com/office/powerpoint/2010/main" xmlns:a16="http://schemas.microsoft.com/office/drawing/2014/main" id="{7AC997A4-1DD8-4731-B9FD-42398A20FF85}"/>
               </a:ext>
             </a:extLst>
           </p:cNvPr>
@@ -1313,7 +1314,7 @@
           <p:cNvPr id="5" name="灯片编号占位符 4">
             <a:extLst>
               <a:ext uri="{FF2B5EF4-FFF2-40B4-BE49-F238E27FC236}">
-                <a16:creationId xmlns:a16="http://schemas.microsoft.com/office/drawing/2014/main" xmlns:p14="http://schemas.microsoft.com/office/powerpoint/2010/main" xmlns="" id="{DBA9825E-1876-42AD-ABCF-E0E100F351CA}"/>
+                <a16:creationId xmlns="" xmlns:p14="http://schemas.microsoft.com/office/powerpoint/2010/main" xmlns:a16="http://schemas.microsoft.com/office/drawing/2014/main" id="{DBA9825E-1876-42AD-ABCF-E0E100F351CA}"/>
               </a:ext>
             </a:extLst>
           </p:cNvPr>
@@ -1343,7 +1344,7 @@
           <p:cNvPr id="6" name="标题 5">
             <a:extLst>
               <a:ext uri="{FF2B5EF4-FFF2-40B4-BE49-F238E27FC236}">
-                <a16:creationId xmlns:a16="http://schemas.microsoft.com/office/drawing/2014/main" xmlns:p14="http://schemas.microsoft.com/office/powerpoint/2010/main" xmlns="" id="{D124F9DB-C87A-423F-9657-38C7A2901430}"/>
+                <a16:creationId xmlns="" xmlns:p14="http://schemas.microsoft.com/office/powerpoint/2010/main" xmlns:a16="http://schemas.microsoft.com/office/drawing/2014/main" id="{D124F9DB-C87A-423F-9657-38C7A2901430}"/>
               </a:ext>
             </a:extLst>
           </p:cNvPr>
@@ -1376,7 +1377,7 @@
           <p:cNvPr id="8" name="内容占位符 7">
             <a:extLst>
               <a:ext uri="{FF2B5EF4-FFF2-40B4-BE49-F238E27FC236}">
-                <a16:creationId xmlns:a16="http://schemas.microsoft.com/office/drawing/2014/main" xmlns:p14="http://schemas.microsoft.com/office/powerpoint/2010/main" xmlns="" id="{2070191C-4093-409C-8FD5-7369A79637AD}"/>
+                <a16:creationId xmlns="" xmlns:p14="http://schemas.microsoft.com/office/powerpoint/2010/main" xmlns:a16="http://schemas.microsoft.com/office/drawing/2014/main" id="{2070191C-4093-409C-8FD5-7369A79637AD}"/>
               </a:ext>
             </a:extLst>
           </p:cNvPr>
@@ -1485,7 +1486,7 @@
           <p:cNvPr id="2" name="Title 1">
             <a:extLst>
               <a:ext uri="{FF2B5EF4-FFF2-40B4-BE49-F238E27FC236}">
-                <a16:creationId xmlns:a16="http://schemas.microsoft.com/office/drawing/2014/main" xmlns="" id="{F21C7A1C-3684-4AAF-A408-C63B6CB64104}"/>
+                <a16:creationId xmlns="" xmlns:a16="http://schemas.microsoft.com/office/drawing/2014/main" id="{F21C7A1C-3684-4AAF-A408-C63B6CB64104}"/>
               </a:ext>
             </a:extLst>
           </p:cNvPr>
@@ -1518,7 +1519,7 @@
           <p:cNvPr id="3" name="Date Placeholder 2">
             <a:extLst>
               <a:ext uri="{FF2B5EF4-FFF2-40B4-BE49-F238E27FC236}">
-                <a16:creationId xmlns:a16="http://schemas.microsoft.com/office/drawing/2014/main" xmlns="" id="{8986EA5F-D77D-4318-90E9-C04AA8ADC0D1}"/>
+                <a16:creationId xmlns="" xmlns:a16="http://schemas.microsoft.com/office/drawing/2014/main" id="{8986EA5F-D77D-4318-90E9-C04AA8ADC0D1}"/>
               </a:ext>
             </a:extLst>
           </p:cNvPr>
@@ -1548,7 +1549,7 @@
           <p:cNvPr id="4" name="Footer Placeholder 3">
             <a:extLst>
               <a:ext uri="{FF2B5EF4-FFF2-40B4-BE49-F238E27FC236}">
-                <a16:creationId xmlns:a16="http://schemas.microsoft.com/office/drawing/2014/main" xmlns="" id="{00832621-D9D9-445E-BFF9-F8348FA1E262}"/>
+                <a16:creationId xmlns="" xmlns:a16="http://schemas.microsoft.com/office/drawing/2014/main" id="{00832621-D9D9-445E-BFF9-F8348FA1E262}"/>
               </a:ext>
             </a:extLst>
           </p:cNvPr>
@@ -1577,7 +1578,7 @@
           <p:cNvPr id="5" name="Slide Number Placeholder 4">
             <a:extLst>
               <a:ext uri="{FF2B5EF4-FFF2-40B4-BE49-F238E27FC236}">
-                <a16:creationId xmlns:a16="http://schemas.microsoft.com/office/drawing/2014/main" xmlns="" id="{8371151B-F790-4A9F-962F-B8718A9560A9}"/>
+                <a16:creationId xmlns="" xmlns:a16="http://schemas.microsoft.com/office/drawing/2014/main" id="{8371151B-F790-4A9F-962F-B8718A9560A9}"/>
               </a:ext>
             </a:extLst>
           </p:cNvPr>
@@ -1725,7 +1726,7 @@
           <p:cNvPr id="10" name="Rectangle 8">
             <a:extLst>
               <a:ext uri="{FF2B5EF4-FFF2-40B4-BE49-F238E27FC236}">
-                <a16:creationId xmlns:a16="http://schemas.microsoft.com/office/drawing/2014/main" xmlns:p14="http://schemas.microsoft.com/office/powerpoint/2010/main" xmlns:a14="http://schemas.microsoft.com/office/drawing/2010/main" xmlns="" id="{A7AB81CD-72B9-4D40-85E3-1A77BE1D7B0B}"/>
+                <a16:creationId xmlns="" xmlns:a14="http://schemas.microsoft.com/office/drawing/2010/main" xmlns:p14="http://schemas.microsoft.com/office/powerpoint/2010/main" xmlns:a16="http://schemas.microsoft.com/office/drawing/2014/main" id="{A7AB81CD-72B9-4D40-85E3-1A77BE1D7B0B}"/>
               </a:ext>
             </a:extLst>
           </p:cNvPr>
@@ -1874,7 +1875,7 @@
           <p:cNvPr id="6" name="文本占位符 13">
             <a:extLst>
               <a:ext uri="{FF2B5EF4-FFF2-40B4-BE49-F238E27FC236}">
-                <a16:creationId xmlns:a16="http://schemas.microsoft.com/office/drawing/2014/main" xmlns:p14="http://schemas.microsoft.com/office/powerpoint/2010/main" xmlns:a14="http://schemas.microsoft.com/office/drawing/2010/main" xmlns="" id="{05EBDA4F-7210-4CAE-8333-80DB24212E78}"/>
+                <a16:creationId xmlns="" xmlns:a14="http://schemas.microsoft.com/office/drawing/2010/main" xmlns:p14="http://schemas.microsoft.com/office/powerpoint/2010/main" xmlns:a16="http://schemas.microsoft.com/office/drawing/2014/main" id="{05EBDA4F-7210-4CAE-8333-80DB24212E78}"/>
               </a:ext>
             </a:extLst>
           </p:cNvPr>
@@ -2106,7 +2107,7 @@
           <p:cNvPr id="8" name="日期占位符 3">
             <a:extLst>
               <a:ext uri="{FF2B5EF4-FFF2-40B4-BE49-F238E27FC236}">
-                <a16:creationId xmlns:a16="http://schemas.microsoft.com/office/drawing/2014/main" xmlns:p15="http://schemas.microsoft.com/office/powerpoint/2012/main" xmlns:p14="http://schemas.microsoft.com/office/powerpoint/2010/main" xmlns="" id="{04388434-9949-479C-A9C3-67A953F6A939}"/>
+                <a16:creationId xmlns="" xmlns:p14="http://schemas.microsoft.com/office/powerpoint/2010/main" xmlns:p15="http://schemas.microsoft.com/office/powerpoint/2012/main" xmlns:a16="http://schemas.microsoft.com/office/drawing/2014/main" id="{04388434-9949-479C-A9C3-67A953F6A939}"/>
               </a:ext>
             </a:extLst>
           </p:cNvPr>
@@ -2155,7 +2156,7 @@
           <p:cNvPr id="9" name="页脚占位符 4">
             <a:extLst>
               <a:ext uri="{FF2B5EF4-FFF2-40B4-BE49-F238E27FC236}">
-                <a16:creationId xmlns:a16="http://schemas.microsoft.com/office/drawing/2014/main" xmlns:p15="http://schemas.microsoft.com/office/powerpoint/2012/main" xmlns:p14="http://schemas.microsoft.com/office/powerpoint/2010/main" xmlns="" id="{50A5656E-7A33-4865-A262-1F96263BAA16}"/>
+                <a16:creationId xmlns="" xmlns:p14="http://schemas.microsoft.com/office/powerpoint/2010/main" xmlns:p15="http://schemas.microsoft.com/office/powerpoint/2012/main" xmlns:a16="http://schemas.microsoft.com/office/drawing/2014/main" id="{50A5656E-7A33-4865-A262-1F96263BAA16}"/>
               </a:ext>
             </a:extLst>
           </p:cNvPr>
@@ -2203,7 +2204,7 @@
           <p:cNvPr id="10" name="灯片编号占位符 5">
             <a:extLst>
               <a:ext uri="{FF2B5EF4-FFF2-40B4-BE49-F238E27FC236}">
-                <a16:creationId xmlns:a16="http://schemas.microsoft.com/office/drawing/2014/main" xmlns:p15="http://schemas.microsoft.com/office/powerpoint/2012/main" xmlns:p14="http://schemas.microsoft.com/office/powerpoint/2010/main" xmlns="" id="{5BF52F79-380E-4278-8B67-588AFE5840F9}"/>
+                <a16:creationId xmlns="" xmlns:p14="http://schemas.microsoft.com/office/powerpoint/2010/main" xmlns:p15="http://schemas.microsoft.com/office/powerpoint/2012/main" xmlns:a16="http://schemas.microsoft.com/office/drawing/2014/main" id="{5BF52F79-380E-4278-8B67-588AFE5840F9}"/>
               </a:ext>
             </a:extLst>
           </p:cNvPr>
@@ -2546,7 +2547,7 @@
   </p:txStyles>
   <p:extLst mod="1">
     <p:ext uri="{27BBF7A9-308A-43DC-89C8-2F10F3537804}">
-      <p15:sldGuideLst xmlns:p15="http://schemas.microsoft.com/office/powerpoint/2012/main" xmlns:p14="http://schemas.microsoft.com/office/powerpoint/2010/main" xmlns:a16="http://schemas.microsoft.com/office/drawing/2014/main" xmlns="">
+      <p15:sldGuideLst xmlns="" xmlns:a16="http://schemas.microsoft.com/office/drawing/2014/main" xmlns:p14="http://schemas.microsoft.com/office/powerpoint/2010/main" xmlns:p15="http://schemas.microsoft.com/office/powerpoint/2012/main">
         <p15:guide id="1" pos="422" userDrawn="1">
           <p15:clr>
             <a:srgbClr val="F26B43"/>
@@ -2605,7 +2606,7 @@
           <p:cNvPr id="3" name="对象 2" hidden="1">
             <a:extLst>
               <a:ext uri="{FF2B5EF4-FFF2-40B4-BE49-F238E27FC236}">
-                <a16:creationId xmlns:a16="http://schemas.microsoft.com/office/drawing/2014/main" xmlns:v="urn:schemas-microsoft-com:vml" xmlns:mc="http://schemas.openxmlformats.org/markup-compatibility/2006" xmlns:p14="http://schemas.microsoft.com/office/powerpoint/2010/main" xmlns="" id="{3C326D0B-7DAB-41B6-8030-2E4A18CC949B}"/>
+                <a16:creationId xmlns="" xmlns:p14="http://schemas.microsoft.com/office/powerpoint/2010/main" xmlns:mc="http://schemas.openxmlformats.org/markup-compatibility/2006" xmlns:v="urn:schemas-microsoft-com:vml" xmlns:a16="http://schemas.microsoft.com/office/drawing/2014/main" id="{3C326D0B-7DAB-41B6-8030-2E4A18CC949B}"/>
               </a:ext>
             </a:extLst>
           </p:cNvPr>
@@ -2628,7 +2629,7 @@
           <a:graphicData uri="http://schemas.openxmlformats.org/presentationml/2006/ole">
             <mc:AlternateContent xmlns:mc="http://schemas.openxmlformats.org/markup-compatibility/2006">
               <mc:Choice xmlns:v="urn:schemas-microsoft-com:vml" Requires="v">
-                <p:oleObj spid="_x0000_s1104" name="think-cell Slide" r:id="rId5" imgW="347" imgH="348" progId="TCLayout.ActiveDocument.1">
+                <p:oleObj spid="_x0000_s1105" name="think-cell Slide" r:id="rId5" imgW="347" imgH="348" progId="TCLayout.ActiveDocument.1">
                   <p:embed/>
                 </p:oleObj>
               </mc:Choice>
@@ -2640,7 +2641,7 @@
                       <p:cNvPr id="3" name="对象 2" hidden="1">
                         <a:extLst>
                           <a:ext uri="{FF2B5EF4-FFF2-40B4-BE49-F238E27FC236}">
-                            <a16:creationId xmlns:a16="http://schemas.microsoft.com/office/drawing/2014/main" xmlns:v="urn:schemas-microsoft-com:vml" xmlns:p14="http://schemas.microsoft.com/office/powerpoint/2010/main" xmlns="" id="{3C326D0B-7DAB-41B6-8030-2E4A18CC949B}"/>
+                            <a16:creationId xmlns="" xmlns:p14="http://schemas.microsoft.com/office/powerpoint/2010/main" xmlns:v="urn:schemas-microsoft-com:vml" xmlns:a16="http://schemas.microsoft.com/office/drawing/2014/main" id="{3C326D0B-7DAB-41B6-8030-2E4A18CC949B}"/>
                           </a:ext>
                         </a:extLst>
                       </p:cNvPr>
@@ -2674,7 +2675,7 @@
           <p:cNvPr id="2" name="矩形 1" hidden="1">
             <a:extLst>
               <a:ext uri="{FF2B5EF4-FFF2-40B4-BE49-F238E27FC236}">
-                <a16:creationId xmlns:a16="http://schemas.microsoft.com/office/drawing/2014/main" xmlns:v="urn:schemas-microsoft-com:vml" xmlns:mc="http://schemas.openxmlformats.org/markup-compatibility/2006" xmlns:p14="http://schemas.microsoft.com/office/powerpoint/2010/main" xmlns="" id="{EC933494-1B63-4A32-964F-D05236799BAA}"/>
+                <a16:creationId xmlns="" xmlns:p14="http://schemas.microsoft.com/office/powerpoint/2010/main" xmlns:mc="http://schemas.openxmlformats.org/markup-compatibility/2006" xmlns:v="urn:schemas-microsoft-com:vml" xmlns:a16="http://schemas.microsoft.com/office/drawing/2014/main" id="{EC933494-1B63-4A32-964F-D05236799BAA}"/>
               </a:ext>
             </a:extLst>
           </p:cNvPr>
@@ -2863,11 +2864,7 @@
           <a:p>
             <a:r>
               <a:rPr lang="en-US" altLang="zh-CN" smtClean="0"/>
-              <a:t>www</a:t>
-            </a:r>
-            <a:r>
-              <a:rPr lang="en-US" altLang="zh-CN" smtClean="0"/>
-              <a:t>.</a:t>
+              <a:t>www.</a:t>
             </a:r>
             <a:r>
               <a:rPr lang="en-US" altLang="zh-CN" sz="100" smtClean="0"/>
@@ -3170,11 +3167,7 @@
           <a:p>
             <a:r>
               <a:rPr lang="en-US" altLang="zh-CN" smtClean="0"/>
-              <a:t>www</a:t>
-            </a:r>
-            <a:r>
-              <a:rPr lang="en-US" altLang="zh-CN" smtClean="0"/>
-              <a:t>.</a:t>
+              <a:t>www.</a:t>
             </a:r>
             <a:r>
               <a:rPr lang="en-US" altLang="zh-CN" sz="100" smtClean="0"/>
@@ -3243,7 +3236,6 @@
               <a:rPr lang="zh-TW" altLang="en-US" dirty="0"/>
               <a:t>模型</a:t>
             </a:r>
-            <a:endParaRPr lang="zh-TW" altLang="en-US" dirty="0"/>
           </a:p>
         </p:txBody>
       </p:sp>
@@ -3533,7 +3525,7 @@
           <p:cNvPr id="9" name="文本框 8">
             <a:extLst>
               <a:ext uri="{FF2B5EF4-FFF2-40B4-BE49-F238E27FC236}">
-                <a16:creationId xmlns:a16="http://schemas.microsoft.com/office/drawing/2014/main" xmlns:p14="http://schemas.microsoft.com/office/powerpoint/2010/main" xmlns="" id="{04F69230-F3A6-4586-9371-A858F4763E9F}"/>
+                <a16:creationId xmlns="" xmlns:p14="http://schemas.microsoft.com/office/powerpoint/2010/main" xmlns:a16="http://schemas.microsoft.com/office/drawing/2014/main" id="{04F69230-F3A6-4586-9371-A858F4763E9F}"/>
               </a:ext>
             </a:extLst>
           </p:cNvPr>
@@ -3647,11 +3639,7 @@
           <a:p>
             <a:r>
               <a:rPr lang="en-US" altLang="zh-CN" smtClean="0"/>
-              <a:t>www</a:t>
-            </a:r>
-            <a:r>
-              <a:rPr lang="en-US" altLang="zh-CN" smtClean="0"/>
-              <a:t>.</a:t>
+              <a:t>www.</a:t>
             </a:r>
             <a:r>
               <a:rPr lang="en-US" altLang="zh-CN" sz="100" smtClean="0"/>
@@ -3803,7 +3791,7 @@
             <p:cNvPr id="7" name="组合 4">
               <a:extLst>
                 <a:ext uri="{FF2B5EF4-FFF2-40B4-BE49-F238E27FC236}">
-                  <a16:creationId xmlns="" xmlns:p14="http://schemas.microsoft.com/office/powerpoint/2010/main" xmlns:a16="http://schemas.microsoft.com/office/drawing/2014/main" id="{62CD7BAE-D5D1-4E39-9FBE-0BB137791422}"/>
+                  <a16:creationId xmlns:a16="http://schemas.microsoft.com/office/drawing/2014/main" xmlns:p14="http://schemas.microsoft.com/office/powerpoint/2010/main" xmlns="" id="{62CD7BAE-D5D1-4E39-9FBE-0BB137791422}"/>
                 </a:ext>
               </a:extLst>
             </p:cNvPr>
@@ -3823,7 +3811,7 @@
               <p:cNvPr id="122" name="任意多边形 5">
                 <a:extLst>
                   <a:ext uri="{FF2B5EF4-FFF2-40B4-BE49-F238E27FC236}">
-                    <a16:creationId xmlns="" xmlns:p14="http://schemas.microsoft.com/office/powerpoint/2010/main" xmlns:a16="http://schemas.microsoft.com/office/drawing/2014/main" id="{FF08B83F-9D1B-4F77-AF38-D667D38FF852}"/>
+                    <a16:creationId xmlns:a16="http://schemas.microsoft.com/office/drawing/2014/main" xmlns:p14="http://schemas.microsoft.com/office/powerpoint/2010/main" xmlns="" id="{FF08B83F-9D1B-4F77-AF38-D667D38FF852}"/>
                   </a:ext>
                 </a:extLst>
               </p:cNvPr>
@@ -3953,7 +3941,7 @@
               <p:cNvPr id="123" name="任意多边形 6">
                 <a:extLst>
                   <a:ext uri="{FF2B5EF4-FFF2-40B4-BE49-F238E27FC236}">
-                    <a16:creationId xmlns="" xmlns:p14="http://schemas.microsoft.com/office/powerpoint/2010/main" xmlns:a16="http://schemas.microsoft.com/office/drawing/2014/main" id="{9CA4CFB4-29C1-494C-9849-1FBE29B4246E}"/>
+                    <a16:creationId xmlns:a16="http://schemas.microsoft.com/office/drawing/2014/main" xmlns:p14="http://schemas.microsoft.com/office/powerpoint/2010/main" xmlns="" id="{9CA4CFB4-29C1-494C-9849-1FBE29B4246E}"/>
                   </a:ext>
                 </a:extLst>
               </p:cNvPr>
@@ -4083,7 +4071,7 @@
               <p:cNvPr id="124" name="任意多边形 7">
                 <a:extLst>
                   <a:ext uri="{FF2B5EF4-FFF2-40B4-BE49-F238E27FC236}">
-                    <a16:creationId xmlns="" xmlns:p14="http://schemas.microsoft.com/office/powerpoint/2010/main" xmlns:a16="http://schemas.microsoft.com/office/drawing/2014/main" id="{A9DAB7AA-59A3-4634-BAB9-64EFFC86140D}"/>
+                    <a16:creationId xmlns:a16="http://schemas.microsoft.com/office/drawing/2014/main" xmlns:p14="http://schemas.microsoft.com/office/powerpoint/2010/main" xmlns="" id="{A9DAB7AA-59A3-4634-BAB9-64EFFC86140D}"/>
                   </a:ext>
                 </a:extLst>
               </p:cNvPr>
@@ -4213,7 +4201,7 @@
               <p:cNvPr id="125" name="任意多边形 8">
                 <a:extLst>
                   <a:ext uri="{FF2B5EF4-FFF2-40B4-BE49-F238E27FC236}">
-                    <a16:creationId xmlns="" xmlns:p14="http://schemas.microsoft.com/office/powerpoint/2010/main" xmlns:a16="http://schemas.microsoft.com/office/drawing/2014/main" id="{0898AA1D-711C-4D61-8923-25D68A1F55F9}"/>
+                    <a16:creationId xmlns:a16="http://schemas.microsoft.com/office/drawing/2014/main" xmlns:p14="http://schemas.microsoft.com/office/powerpoint/2010/main" xmlns="" id="{0898AA1D-711C-4D61-8923-25D68A1F55F9}"/>
                   </a:ext>
                 </a:extLst>
               </p:cNvPr>
@@ -4343,7 +4331,7 @@
               <p:cNvPr id="126" name="任意多边形 9">
                 <a:extLst>
                   <a:ext uri="{FF2B5EF4-FFF2-40B4-BE49-F238E27FC236}">
-                    <a16:creationId xmlns="" xmlns:p14="http://schemas.microsoft.com/office/powerpoint/2010/main" xmlns:a16="http://schemas.microsoft.com/office/drawing/2014/main" id="{C2D664C0-7138-4842-B70A-831EF730F640}"/>
+                    <a16:creationId xmlns:a16="http://schemas.microsoft.com/office/drawing/2014/main" xmlns:p14="http://schemas.microsoft.com/office/powerpoint/2010/main" xmlns="" id="{C2D664C0-7138-4842-B70A-831EF730F640}"/>
                   </a:ext>
                 </a:extLst>
               </p:cNvPr>
@@ -4439,7 +4427,7 @@
               <p:cNvPr id="127" name="任意多边形 10">
                 <a:extLst>
                   <a:ext uri="{FF2B5EF4-FFF2-40B4-BE49-F238E27FC236}">
-                    <a16:creationId xmlns="" xmlns:p14="http://schemas.microsoft.com/office/powerpoint/2010/main" xmlns:a16="http://schemas.microsoft.com/office/drawing/2014/main" id="{A310AD0C-A4E9-4BB9-BBE1-17004EBE05D5}"/>
+                    <a16:creationId xmlns:a16="http://schemas.microsoft.com/office/drawing/2014/main" xmlns:p14="http://schemas.microsoft.com/office/powerpoint/2010/main" xmlns="" id="{A310AD0C-A4E9-4BB9-BBE1-17004EBE05D5}"/>
                   </a:ext>
                 </a:extLst>
               </p:cNvPr>
@@ -4535,7 +4523,7 @@
               <p:cNvPr id="128" name="任意多边形 11">
                 <a:extLst>
                   <a:ext uri="{FF2B5EF4-FFF2-40B4-BE49-F238E27FC236}">
-                    <a16:creationId xmlns="" xmlns:p14="http://schemas.microsoft.com/office/powerpoint/2010/main" xmlns:a16="http://schemas.microsoft.com/office/drawing/2014/main" id="{E7515FCC-A587-4AF8-BA8E-74A1463EB552}"/>
+                    <a16:creationId xmlns:a16="http://schemas.microsoft.com/office/drawing/2014/main" xmlns:p14="http://schemas.microsoft.com/office/powerpoint/2010/main" xmlns="" id="{E7515FCC-A587-4AF8-BA8E-74A1463EB552}"/>
                   </a:ext>
                 </a:extLst>
               </p:cNvPr>
@@ -4633,7 +4621,7 @@
               <p:cNvPr id="129" name="任意多边形 12">
                 <a:extLst>
                   <a:ext uri="{FF2B5EF4-FFF2-40B4-BE49-F238E27FC236}">
-                    <a16:creationId xmlns="" xmlns:p14="http://schemas.microsoft.com/office/powerpoint/2010/main" xmlns:a16="http://schemas.microsoft.com/office/drawing/2014/main" id="{3EB5B6F1-DE94-4BBE-BAB4-FDB60C509B31}"/>
+                    <a16:creationId xmlns:a16="http://schemas.microsoft.com/office/drawing/2014/main" xmlns:p14="http://schemas.microsoft.com/office/powerpoint/2010/main" xmlns="" id="{3EB5B6F1-DE94-4BBE-BAB4-FDB60C509B31}"/>
                   </a:ext>
                 </a:extLst>
               </p:cNvPr>
@@ -4731,7 +4719,7 @@
               <p:cNvPr id="130" name="任意多边形 13">
                 <a:extLst>
                   <a:ext uri="{FF2B5EF4-FFF2-40B4-BE49-F238E27FC236}">
-                    <a16:creationId xmlns="" xmlns:p14="http://schemas.microsoft.com/office/powerpoint/2010/main" xmlns:a16="http://schemas.microsoft.com/office/drawing/2014/main" id="{156D75A7-EA41-4103-861E-E35BAFBC7A93}"/>
+                    <a16:creationId xmlns:a16="http://schemas.microsoft.com/office/drawing/2014/main" xmlns:p14="http://schemas.microsoft.com/office/powerpoint/2010/main" xmlns="" id="{156D75A7-EA41-4103-861E-E35BAFBC7A93}"/>
                   </a:ext>
                 </a:extLst>
               </p:cNvPr>
@@ -4829,7 +4817,7 @@
               <p:cNvPr id="131" name="任意多边形 14">
                 <a:extLst>
                   <a:ext uri="{FF2B5EF4-FFF2-40B4-BE49-F238E27FC236}">
-                    <a16:creationId xmlns="" xmlns:p14="http://schemas.microsoft.com/office/powerpoint/2010/main" xmlns:a16="http://schemas.microsoft.com/office/drawing/2014/main" id="{03B5A499-EC3E-4FC9-9527-B16FCB142A96}"/>
+                    <a16:creationId xmlns:a16="http://schemas.microsoft.com/office/drawing/2014/main" xmlns:p14="http://schemas.microsoft.com/office/powerpoint/2010/main" xmlns="" id="{03B5A499-EC3E-4FC9-9527-B16FCB142A96}"/>
                   </a:ext>
                 </a:extLst>
               </p:cNvPr>
@@ -4952,7 +4940,7 @@
             <p:cNvPr id="8" name="组合 15">
               <a:extLst>
                 <a:ext uri="{FF2B5EF4-FFF2-40B4-BE49-F238E27FC236}">
-                  <a16:creationId xmlns="" xmlns:p14="http://schemas.microsoft.com/office/powerpoint/2010/main" xmlns:a16="http://schemas.microsoft.com/office/drawing/2014/main" id="{62CD7BAE-D5D1-4E39-9FBE-0BB137791422}"/>
+                  <a16:creationId xmlns:a16="http://schemas.microsoft.com/office/drawing/2014/main" xmlns:p14="http://schemas.microsoft.com/office/powerpoint/2010/main" xmlns="" id="{62CD7BAE-D5D1-4E39-9FBE-0BB137791422}"/>
                 </a:ext>
               </a:extLst>
             </p:cNvPr>
@@ -4972,7 +4960,7 @@
               <p:cNvPr id="112" name="任意多边形 16">
                 <a:extLst>
                   <a:ext uri="{FF2B5EF4-FFF2-40B4-BE49-F238E27FC236}">
-                    <a16:creationId xmlns="" xmlns:p14="http://schemas.microsoft.com/office/powerpoint/2010/main" xmlns:a16="http://schemas.microsoft.com/office/drawing/2014/main" id="{0AB35504-0A09-48E0-9393-90DB6E39BD24}"/>
+                    <a16:creationId xmlns:a16="http://schemas.microsoft.com/office/drawing/2014/main" xmlns:p14="http://schemas.microsoft.com/office/powerpoint/2010/main" xmlns="" id="{0AB35504-0A09-48E0-9393-90DB6E39BD24}"/>
                   </a:ext>
                 </a:extLst>
               </p:cNvPr>
@@ -5102,7 +5090,7 @@
               <p:cNvPr id="113" name="任意多边形 17">
                 <a:extLst>
                   <a:ext uri="{FF2B5EF4-FFF2-40B4-BE49-F238E27FC236}">
-                    <a16:creationId xmlns="" xmlns:p14="http://schemas.microsoft.com/office/powerpoint/2010/main" xmlns:a16="http://schemas.microsoft.com/office/drawing/2014/main" id="{E963054D-BD49-419E-87A6-2340D5D52AD5}"/>
+                    <a16:creationId xmlns:a16="http://schemas.microsoft.com/office/drawing/2014/main" xmlns:p14="http://schemas.microsoft.com/office/powerpoint/2010/main" xmlns="" id="{E963054D-BD49-419E-87A6-2340D5D52AD5}"/>
                   </a:ext>
                 </a:extLst>
               </p:cNvPr>
@@ -5232,7 +5220,7 @@
               <p:cNvPr id="114" name="任意多边形 18">
                 <a:extLst>
                   <a:ext uri="{FF2B5EF4-FFF2-40B4-BE49-F238E27FC236}">
-                    <a16:creationId xmlns="" xmlns:p14="http://schemas.microsoft.com/office/powerpoint/2010/main" xmlns:a16="http://schemas.microsoft.com/office/drawing/2014/main" id="{5F8BBFEE-37A5-4888-80FF-2FC31FD2CFD7}"/>
+                    <a16:creationId xmlns:a16="http://schemas.microsoft.com/office/drawing/2014/main" xmlns:p14="http://schemas.microsoft.com/office/powerpoint/2010/main" xmlns="" id="{5F8BBFEE-37A5-4888-80FF-2FC31FD2CFD7}"/>
                   </a:ext>
                 </a:extLst>
               </p:cNvPr>
@@ -5362,7 +5350,7 @@
               <p:cNvPr id="115" name="任意多边形 19">
                 <a:extLst>
                   <a:ext uri="{FF2B5EF4-FFF2-40B4-BE49-F238E27FC236}">
-                    <a16:creationId xmlns="" xmlns:p14="http://schemas.microsoft.com/office/powerpoint/2010/main" xmlns:a16="http://schemas.microsoft.com/office/drawing/2014/main" id="{B2B86EB4-7C08-4EAD-A919-1A13F7BEEDDF}"/>
+                    <a16:creationId xmlns:a16="http://schemas.microsoft.com/office/drawing/2014/main" xmlns:p14="http://schemas.microsoft.com/office/powerpoint/2010/main" xmlns="" id="{B2B86EB4-7C08-4EAD-A919-1A13F7BEEDDF}"/>
                   </a:ext>
                 </a:extLst>
               </p:cNvPr>
@@ -5492,7 +5480,7 @@
               <p:cNvPr id="116" name="任意多边形 20">
                 <a:extLst>
                   <a:ext uri="{FF2B5EF4-FFF2-40B4-BE49-F238E27FC236}">
-                    <a16:creationId xmlns="" xmlns:p14="http://schemas.microsoft.com/office/powerpoint/2010/main" xmlns:a16="http://schemas.microsoft.com/office/drawing/2014/main" id="{4C371B73-F680-46C9-86FD-787800404F88}"/>
+                    <a16:creationId xmlns:a16="http://schemas.microsoft.com/office/drawing/2014/main" xmlns:p14="http://schemas.microsoft.com/office/powerpoint/2010/main" xmlns="" id="{4C371B73-F680-46C9-86FD-787800404F88}"/>
                   </a:ext>
                 </a:extLst>
               </p:cNvPr>
@@ -5588,7 +5576,7 @@
               <p:cNvPr id="117" name="任意多边形 21">
                 <a:extLst>
                   <a:ext uri="{FF2B5EF4-FFF2-40B4-BE49-F238E27FC236}">
-                    <a16:creationId xmlns="" xmlns:p14="http://schemas.microsoft.com/office/powerpoint/2010/main" xmlns:a16="http://schemas.microsoft.com/office/drawing/2014/main" id="{F3FC5841-DF69-476B-B699-1AA100FE8EA6}"/>
+                    <a16:creationId xmlns:a16="http://schemas.microsoft.com/office/drawing/2014/main" xmlns:p14="http://schemas.microsoft.com/office/powerpoint/2010/main" xmlns="" id="{F3FC5841-DF69-476B-B699-1AA100FE8EA6}"/>
                   </a:ext>
                 </a:extLst>
               </p:cNvPr>
@@ -5684,7 +5672,7 @@
               <p:cNvPr id="118" name="任意多边形 22">
                 <a:extLst>
                   <a:ext uri="{FF2B5EF4-FFF2-40B4-BE49-F238E27FC236}">
-                    <a16:creationId xmlns="" xmlns:p14="http://schemas.microsoft.com/office/powerpoint/2010/main" xmlns:a16="http://schemas.microsoft.com/office/drawing/2014/main" id="{5EC67B98-837E-4CA9-9757-8EF09726A042}"/>
+                    <a16:creationId xmlns:a16="http://schemas.microsoft.com/office/drawing/2014/main" xmlns:p14="http://schemas.microsoft.com/office/powerpoint/2010/main" xmlns="" id="{5EC67B98-837E-4CA9-9757-8EF09726A042}"/>
                   </a:ext>
                 </a:extLst>
               </p:cNvPr>
@@ -5780,7 +5768,7 @@
               <p:cNvPr id="119" name="任意多边形 23">
                 <a:extLst>
                   <a:ext uri="{FF2B5EF4-FFF2-40B4-BE49-F238E27FC236}">
-                    <a16:creationId xmlns="" xmlns:p14="http://schemas.microsoft.com/office/powerpoint/2010/main" xmlns:a16="http://schemas.microsoft.com/office/drawing/2014/main" id="{ECEAAB4C-F0C7-4A99-BC3E-0B118FD59174}"/>
+                    <a16:creationId xmlns:a16="http://schemas.microsoft.com/office/drawing/2014/main" xmlns:p14="http://schemas.microsoft.com/office/powerpoint/2010/main" xmlns="" id="{ECEAAB4C-F0C7-4A99-BC3E-0B118FD59174}"/>
                   </a:ext>
                 </a:extLst>
               </p:cNvPr>
@@ -5878,7 +5866,7 @@
               <p:cNvPr id="120" name="任意多边形 24">
                 <a:extLst>
                   <a:ext uri="{FF2B5EF4-FFF2-40B4-BE49-F238E27FC236}">
-                    <a16:creationId xmlns="" xmlns:p14="http://schemas.microsoft.com/office/powerpoint/2010/main" xmlns:a16="http://schemas.microsoft.com/office/drawing/2014/main" id="{8973EB07-263D-4D8F-AE67-C79ECC848170}"/>
+                    <a16:creationId xmlns:a16="http://schemas.microsoft.com/office/drawing/2014/main" xmlns:p14="http://schemas.microsoft.com/office/powerpoint/2010/main" xmlns="" id="{8973EB07-263D-4D8F-AE67-C79ECC848170}"/>
                   </a:ext>
                 </a:extLst>
               </p:cNvPr>
@@ -5974,7 +5962,7 @@
               <p:cNvPr id="121" name="任意多边形 25">
                 <a:extLst>
                   <a:ext uri="{FF2B5EF4-FFF2-40B4-BE49-F238E27FC236}">
-                    <a16:creationId xmlns="" xmlns:p14="http://schemas.microsoft.com/office/powerpoint/2010/main" xmlns:a16="http://schemas.microsoft.com/office/drawing/2014/main" id="{7B267534-02E9-4C33-9B29-F9E63B545DB8}"/>
+                    <a16:creationId xmlns:a16="http://schemas.microsoft.com/office/drawing/2014/main" xmlns:p14="http://schemas.microsoft.com/office/powerpoint/2010/main" xmlns="" id="{7B267534-02E9-4C33-9B29-F9E63B545DB8}"/>
                   </a:ext>
                 </a:extLst>
               </p:cNvPr>
@@ -6097,7 +6085,7 @@
             <p:cNvPr id="9" name="组合 26">
               <a:extLst>
                 <a:ext uri="{FF2B5EF4-FFF2-40B4-BE49-F238E27FC236}">
-                  <a16:creationId xmlns="" xmlns:p14="http://schemas.microsoft.com/office/powerpoint/2010/main" xmlns:a16="http://schemas.microsoft.com/office/drawing/2014/main" id="{62CD7BAE-D5D1-4E39-9FBE-0BB137791422}"/>
+                  <a16:creationId xmlns:a16="http://schemas.microsoft.com/office/drawing/2014/main" xmlns:p14="http://schemas.microsoft.com/office/powerpoint/2010/main" xmlns="" id="{62CD7BAE-D5D1-4E39-9FBE-0BB137791422}"/>
                 </a:ext>
               </a:extLst>
             </p:cNvPr>
@@ -6117,7 +6105,7 @@
               <p:cNvPr id="103" name="任意多边形 27">
                 <a:extLst>
                   <a:ext uri="{FF2B5EF4-FFF2-40B4-BE49-F238E27FC236}">
-                    <a16:creationId xmlns="" xmlns:p14="http://schemas.microsoft.com/office/powerpoint/2010/main" xmlns:a16="http://schemas.microsoft.com/office/drawing/2014/main" id="{388A3ACD-27A5-45B1-8344-35AD04E5A445}"/>
+                    <a16:creationId xmlns:a16="http://schemas.microsoft.com/office/drawing/2014/main" xmlns:p14="http://schemas.microsoft.com/office/powerpoint/2010/main" xmlns="" id="{388A3ACD-27A5-45B1-8344-35AD04E5A445}"/>
                   </a:ext>
                 </a:extLst>
               </p:cNvPr>
@@ -6247,7 +6235,7 @@
               <p:cNvPr id="104" name="任意多边形 28">
                 <a:extLst>
                   <a:ext uri="{FF2B5EF4-FFF2-40B4-BE49-F238E27FC236}">
-                    <a16:creationId xmlns="" xmlns:p14="http://schemas.microsoft.com/office/powerpoint/2010/main" xmlns:a16="http://schemas.microsoft.com/office/drawing/2014/main" id="{A95B42C8-7A1C-40DC-86AD-F78B8B829AE8}"/>
+                    <a16:creationId xmlns:a16="http://schemas.microsoft.com/office/drawing/2014/main" xmlns:p14="http://schemas.microsoft.com/office/powerpoint/2010/main" xmlns="" id="{A95B42C8-7A1C-40DC-86AD-F78B8B829AE8}"/>
                   </a:ext>
                 </a:extLst>
               </p:cNvPr>
@@ -6377,7 +6365,7 @@
               <p:cNvPr id="105" name="任意多边形 30">
                 <a:extLst>
                   <a:ext uri="{FF2B5EF4-FFF2-40B4-BE49-F238E27FC236}">
-                    <a16:creationId xmlns="" xmlns:p14="http://schemas.microsoft.com/office/powerpoint/2010/main" xmlns:a16="http://schemas.microsoft.com/office/drawing/2014/main" id="{7D1D18EE-90F4-4740-BEBE-9C08295A3B6B}"/>
+                    <a16:creationId xmlns:a16="http://schemas.microsoft.com/office/drawing/2014/main" xmlns:p14="http://schemas.microsoft.com/office/powerpoint/2010/main" xmlns="" id="{7D1D18EE-90F4-4740-BEBE-9C08295A3B6B}"/>
                   </a:ext>
                 </a:extLst>
               </p:cNvPr>
@@ -6507,7 +6495,7 @@
               <p:cNvPr id="106" name="任意多边形 31">
                 <a:extLst>
                   <a:ext uri="{FF2B5EF4-FFF2-40B4-BE49-F238E27FC236}">
-                    <a16:creationId xmlns="" xmlns:p14="http://schemas.microsoft.com/office/powerpoint/2010/main" xmlns:a16="http://schemas.microsoft.com/office/drawing/2014/main" id="{61CB589F-7600-444A-92D6-126D13C9FFD5}"/>
+                    <a16:creationId xmlns:a16="http://schemas.microsoft.com/office/drawing/2014/main" xmlns:p14="http://schemas.microsoft.com/office/powerpoint/2010/main" xmlns="" id="{61CB589F-7600-444A-92D6-126D13C9FFD5}"/>
                   </a:ext>
                 </a:extLst>
               </p:cNvPr>
@@ -6605,7 +6593,7 @@
               <p:cNvPr id="107" name="任意多边形 32">
                 <a:extLst>
                   <a:ext uri="{FF2B5EF4-FFF2-40B4-BE49-F238E27FC236}">
-                    <a16:creationId xmlns="" xmlns:p14="http://schemas.microsoft.com/office/powerpoint/2010/main" xmlns:a16="http://schemas.microsoft.com/office/drawing/2014/main" id="{B3AE3F63-F6FF-4C2C-82E3-6BF91240B047}"/>
+                    <a16:creationId xmlns:a16="http://schemas.microsoft.com/office/drawing/2014/main" xmlns:p14="http://schemas.microsoft.com/office/powerpoint/2010/main" xmlns="" id="{B3AE3F63-F6FF-4C2C-82E3-6BF91240B047}"/>
                   </a:ext>
                 </a:extLst>
               </p:cNvPr>
@@ -6703,7 +6691,7 @@
               <p:cNvPr id="108" name="任意多边形 33">
                 <a:extLst>
                   <a:ext uri="{FF2B5EF4-FFF2-40B4-BE49-F238E27FC236}">
-                    <a16:creationId xmlns="" xmlns:p14="http://schemas.microsoft.com/office/powerpoint/2010/main" xmlns:a16="http://schemas.microsoft.com/office/drawing/2014/main" id="{3F1A1C8B-AFB2-4EC4-9A94-66C1B1E4AEB2}"/>
+                    <a16:creationId xmlns:a16="http://schemas.microsoft.com/office/drawing/2014/main" xmlns:p14="http://schemas.microsoft.com/office/powerpoint/2010/main" xmlns="" id="{3F1A1C8B-AFB2-4EC4-9A94-66C1B1E4AEB2}"/>
                   </a:ext>
                 </a:extLst>
               </p:cNvPr>
@@ -6801,7 +6789,7 @@
               <p:cNvPr id="109" name="任意多边形 34">
                 <a:extLst>
                   <a:ext uri="{FF2B5EF4-FFF2-40B4-BE49-F238E27FC236}">
-                    <a16:creationId xmlns="" xmlns:p14="http://schemas.microsoft.com/office/powerpoint/2010/main" xmlns:a16="http://schemas.microsoft.com/office/drawing/2014/main" id="{44060B75-681F-4F40-BC03-9EA750BC320D}"/>
+                    <a16:creationId xmlns:a16="http://schemas.microsoft.com/office/drawing/2014/main" xmlns:p14="http://schemas.microsoft.com/office/powerpoint/2010/main" xmlns="" id="{44060B75-681F-4F40-BC03-9EA750BC320D}"/>
                   </a:ext>
                 </a:extLst>
               </p:cNvPr>
@@ -6899,7 +6887,7 @@
               <p:cNvPr id="110" name="任意多边形 35">
                 <a:extLst>
                   <a:ext uri="{FF2B5EF4-FFF2-40B4-BE49-F238E27FC236}">
-                    <a16:creationId xmlns="" xmlns:p14="http://schemas.microsoft.com/office/powerpoint/2010/main" xmlns:a16="http://schemas.microsoft.com/office/drawing/2014/main" id="{44B69185-02B7-423C-AAEE-8190788046DE}"/>
+                    <a16:creationId xmlns:a16="http://schemas.microsoft.com/office/drawing/2014/main" xmlns:p14="http://schemas.microsoft.com/office/powerpoint/2010/main" xmlns="" id="{44B69185-02B7-423C-AAEE-8190788046DE}"/>
                   </a:ext>
                 </a:extLst>
               </p:cNvPr>
@@ -6997,7 +6985,7 @@
               <p:cNvPr id="111" name="任意多边形 36">
                 <a:extLst>
                   <a:ext uri="{FF2B5EF4-FFF2-40B4-BE49-F238E27FC236}">
-                    <a16:creationId xmlns="" xmlns:p14="http://schemas.microsoft.com/office/powerpoint/2010/main" xmlns:a16="http://schemas.microsoft.com/office/drawing/2014/main" id="{CF9EA966-B8D1-452E-8257-7F8717A2DF80}"/>
+                    <a16:creationId xmlns:a16="http://schemas.microsoft.com/office/drawing/2014/main" xmlns:p14="http://schemas.microsoft.com/office/powerpoint/2010/main" xmlns="" id="{CF9EA966-B8D1-452E-8257-7F8717A2DF80}"/>
                   </a:ext>
                 </a:extLst>
               </p:cNvPr>
@@ -7120,7 +7108,7 @@
             <p:cNvPr id="10" name="组合 37">
               <a:extLst>
                 <a:ext uri="{FF2B5EF4-FFF2-40B4-BE49-F238E27FC236}">
-                  <a16:creationId xmlns="" xmlns:p14="http://schemas.microsoft.com/office/powerpoint/2010/main" xmlns:a16="http://schemas.microsoft.com/office/drawing/2014/main" id="{62CD7BAE-D5D1-4E39-9FBE-0BB137791422}"/>
+                  <a16:creationId xmlns:a16="http://schemas.microsoft.com/office/drawing/2014/main" xmlns:p14="http://schemas.microsoft.com/office/powerpoint/2010/main" xmlns="" id="{62CD7BAE-D5D1-4E39-9FBE-0BB137791422}"/>
                 </a:ext>
               </a:extLst>
             </p:cNvPr>
@@ -7140,7 +7128,7 @@
               <p:cNvPr id="93" name="任意多边形 38">
                 <a:extLst>
                   <a:ext uri="{FF2B5EF4-FFF2-40B4-BE49-F238E27FC236}">
-                    <a16:creationId xmlns="" xmlns:p14="http://schemas.microsoft.com/office/powerpoint/2010/main" xmlns:a16="http://schemas.microsoft.com/office/drawing/2014/main" id="{2B7DD6DC-878A-42BF-9313-1925E669C654}"/>
+                    <a16:creationId xmlns:a16="http://schemas.microsoft.com/office/drawing/2014/main" xmlns:p14="http://schemas.microsoft.com/office/powerpoint/2010/main" xmlns="" id="{2B7DD6DC-878A-42BF-9313-1925E669C654}"/>
                   </a:ext>
                 </a:extLst>
               </p:cNvPr>
@@ -7270,7 +7258,7 @@
               <p:cNvPr id="94" name="任意多边形 39">
                 <a:extLst>
                   <a:ext uri="{FF2B5EF4-FFF2-40B4-BE49-F238E27FC236}">
-                    <a16:creationId xmlns="" xmlns:p14="http://schemas.microsoft.com/office/powerpoint/2010/main" xmlns:a16="http://schemas.microsoft.com/office/drawing/2014/main" id="{31ABF300-4478-4DD2-8FD5-29B8DB9140A6}"/>
+                    <a16:creationId xmlns:a16="http://schemas.microsoft.com/office/drawing/2014/main" xmlns:p14="http://schemas.microsoft.com/office/powerpoint/2010/main" xmlns="" id="{31ABF300-4478-4DD2-8FD5-29B8DB9140A6}"/>
                   </a:ext>
                 </a:extLst>
               </p:cNvPr>
@@ -7400,7 +7388,7 @@
               <p:cNvPr id="95" name="任意多边形 40">
                 <a:extLst>
                   <a:ext uri="{FF2B5EF4-FFF2-40B4-BE49-F238E27FC236}">
-                    <a16:creationId xmlns="" xmlns:p14="http://schemas.microsoft.com/office/powerpoint/2010/main" xmlns:a16="http://schemas.microsoft.com/office/drawing/2014/main" id="{AB740471-A0BB-4C7A-A7E0-80A3BEC2D4EE}"/>
+                    <a16:creationId xmlns:a16="http://schemas.microsoft.com/office/drawing/2014/main" xmlns:p14="http://schemas.microsoft.com/office/powerpoint/2010/main" xmlns="" id="{AB740471-A0BB-4C7A-A7E0-80A3BEC2D4EE}"/>
                   </a:ext>
                 </a:extLst>
               </p:cNvPr>
@@ -7530,7 +7518,7 @@
               <p:cNvPr id="96" name="任意多边形 41">
                 <a:extLst>
                   <a:ext uri="{FF2B5EF4-FFF2-40B4-BE49-F238E27FC236}">
-                    <a16:creationId xmlns="" xmlns:p14="http://schemas.microsoft.com/office/powerpoint/2010/main" xmlns:a16="http://schemas.microsoft.com/office/drawing/2014/main" id="{48246FED-B1E0-4EAF-8193-DF30C97047CE}"/>
+                    <a16:creationId xmlns:a16="http://schemas.microsoft.com/office/drawing/2014/main" xmlns:p14="http://schemas.microsoft.com/office/powerpoint/2010/main" xmlns="" id="{48246FED-B1E0-4EAF-8193-DF30C97047CE}"/>
                   </a:ext>
                 </a:extLst>
               </p:cNvPr>
@@ -7660,7 +7648,7 @@
               <p:cNvPr id="97" name="任意多边形 42">
                 <a:extLst>
                   <a:ext uri="{FF2B5EF4-FFF2-40B4-BE49-F238E27FC236}">
-                    <a16:creationId xmlns="" xmlns:p14="http://schemas.microsoft.com/office/powerpoint/2010/main" xmlns:a16="http://schemas.microsoft.com/office/drawing/2014/main" id="{9A8A7A38-A207-493D-AFDA-46F53F260BB8}"/>
+                    <a16:creationId xmlns:a16="http://schemas.microsoft.com/office/drawing/2014/main" xmlns:p14="http://schemas.microsoft.com/office/powerpoint/2010/main" xmlns="" id="{9A8A7A38-A207-493D-AFDA-46F53F260BB8}"/>
                   </a:ext>
                 </a:extLst>
               </p:cNvPr>
@@ -7756,7 +7744,7 @@
               <p:cNvPr id="98" name="任意多边形 43">
                 <a:extLst>
                   <a:ext uri="{FF2B5EF4-FFF2-40B4-BE49-F238E27FC236}">
-                    <a16:creationId xmlns="" xmlns:p14="http://schemas.microsoft.com/office/powerpoint/2010/main" xmlns:a16="http://schemas.microsoft.com/office/drawing/2014/main" id="{83FF7852-0960-49D4-97CB-57564DDB805E}"/>
+                    <a16:creationId xmlns:a16="http://schemas.microsoft.com/office/drawing/2014/main" xmlns:p14="http://schemas.microsoft.com/office/powerpoint/2010/main" xmlns="" id="{83FF7852-0960-49D4-97CB-57564DDB805E}"/>
                   </a:ext>
                 </a:extLst>
               </p:cNvPr>
@@ -7854,7 +7842,7 @@
               <p:cNvPr id="99" name="任意多边形 44">
                 <a:extLst>
                   <a:ext uri="{FF2B5EF4-FFF2-40B4-BE49-F238E27FC236}">
-                    <a16:creationId xmlns="" xmlns:p14="http://schemas.microsoft.com/office/powerpoint/2010/main" xmlns:a16="http://schemas.microsoft.com/office/drawing/2014/main" id="{3BD07A39-E6BB-48F2-B9CF-3E8149FF9EF3}"/>
+                    <a16:creationId xmlns:a16="http://schemas.microsoft.com/office/drawing/2014/main" xmlns:p14="http://schemas.microsoft.com/office/powerpoint/2010/main" xmlns="" id="{3BD07A39-E6BB-48F2-B9CF-3E8149FF9EF3}"/>
                   </a:ext>
                 </a:extLst>
               </p:cNvPr>
@@ -7950,7 +7938,7 @@
               <p:cNvPr id="100" name="任意多边形 45">
                 <a:extLst>
                   <a:ext uri="{FF2B5EF4-FFF2-40B4-BE49-F238E27FC236}">
-                    <a16:creationId xmlns="" xmlns:p14="http://schemas.microsoft.com/office/powerpoint/2010/main" xmlns:a16="http://schemas.microsoft.com/office/drawing/2014/main" id="{F6201348-1A3B-4F3D-895B-CD3D6E17F9BA}"/>
+                    <a16:creationId xmlns:a16="http://schemas.microsoft.com/office/drawing/2014/main" xmlns:p14="http://schemas.microsoft.com/office/powerpoint/2010/main" xmlns="" id="{F6201348-1A3B-4F3D-895B-CD3D6E17F9BA}"/>
                   </a:ext>
                 </a:extLst>
               </p:cNvPr>
@@ -8046,7 +8034,7 @@
               <p:cNvPr id="101" name="任意多边形 46">
                 <a:extLst>
                   <a:ext uri="{FF2B5EF4-FFF2-40B4-BE49-F238E27FC236}">
-                    <a16:creationId xmlns="" xmlns:p14="http://schemas.microsoft.com/office/powerpoint/2010/main" xmlns:a16="http://schemas.microsoft.com/office/drawing/2014/main" id="{BED55007-F0C9-4F1B-B671-BE404FA709C3}"/>
+                    <a16:creationId xmlns:a16="http://schemas.microsoft.com/office/drawing/2014/main" xmlns:p14="http://schemas.microsoft.com/office/powerpoint/2010/main" xmlns="" id="{BED55007-F0C9-4F1B-B671-BE404FA709C3}"/>
                   </a:ext>
                 </a:extLst>
               </p:cNvPr>
@@ -8144,7 +8132,7 @@
               <p:cNvPr id="102" name="任意多边形 47">
                 <a:extLst>
                   <a:ext uri="{FF2B5EF4-FFF2-40B4-BE49-F238E27FC236}">
-                    <a16:creationId xmlns="" xmlns:p14="http://schemas.microsoft.com/office/powerpoint/2010/main" xmlns:a16="http://schemas.microsoft.com/office/drawing/2014/main" id="{7ED80F25-3B8A-4615-98F4-903BCCEF0963}"/>
+                    <a16:creationId xmlns:a16="http://schemas.microsoft.com/office/drawing/2014/main" xmlns:p14="http://schemas.microsoft.com/office/powerpoint/2010/main" xmlns="" id="{7ED80F25-3B8A-4615-98F4-903BCCEF0963}"/>
                   </a:ext>
                 </a:extLst>
               </p:cNvPr>
@@ -8267,7 +8255,7 @@
             <p:cNvPr id="11" name="组合 48">
               <a:extLst>
                 <a:ext uri="{FF2B5EF4-FFF2-40B4-BE49-F238E27FC236}">
-                  <a16:creationId xmlns="" xmlns:p14="http://schemas.microsoft.com/office/powerpoint/2010/main" xmlns:a16="http://schemas.microsoft.com/office/drawing/2014/main" id="{62CD7BAE-D5D1-4E39-9FBE-0BB137791422}"/>
+                  <a16:creationId xmlns:a16="http://schemas.microsoft.com/office/drawing/2014/main" xmlns:p14="http://schemas.microsoft.com/office/powerpoint/2010/main" xmlns="" id="{62CD7BAE-D5D1-4E39-9FBE-0BB137791422}"/>
                 </a:ext>
               </a:extLst>
             </p:cNvPr>
@@ -8290,7 +8278,7 @@
               <p:cNvPr id="79" name="任意多边形 49">
                 <a:extLst>
                   <a:ext uri="{FF2B5EF4-FFF2-40B4-BE49-F238E27FC236}">
-                    <a16:creationId xmlns="" xmlns:p14="http://schemas.microsoft.com/office/powerpoint/2010/main" xmlns:a16="http://schemas.microsoft.com/office/drawing/2014/main" id="{C1B112A9-D9AD-4B8F-A337-F4AFEA064A63}"/>
+                    <a16:creationId xmlns:a16="http://schemas.microsoft.com/office/drawing/2014/main" xmlns:p14="http://schemas.microsoft.com/office/powerpoint/2010/main" xmlns="" id="{C1B112A9-D9AD-4B8F-A337-F4AFEA064A63}"/>
                   </a:ext>
                 </a:extLst>
               </p:cNvPr>
@@ -8498,7 +8486,7 @@
               <p:cNvPr id="80" name="组合 50">
                 <a:extLst>
                   <a:ext uri="{FF2B5EF4-FFF2-40B4-BE49-F238E27FC236}">
-                    <a16:creationId xmlns="" xmlns:p14="http://schemas.microsoft.com/office/powerpoint/2010/main" xmlns:a16="http://schemas.microsoft.com/office/drawing/2014/main" id="{62CD7BAE-D5D1-4E39-9FBE-0BB137791422}"/>
+                    <a16:creationId xmlns:a16="http://schemas.microsoft.com/office/drawing/2014/main" xmlns:p14="http://schemas.microsoft.com/office/powerpoint/2010/main" xmlns="" id="{62CD7BAE-D5D1-4E39-9FBE-0BB137791422}"/>
                   </a:ext>
                 </a:extLst>
               </p:cNvPr>
@@ -8521,7 +8509,7 @@
                 <p:cNvPr id="81" name="任意多边形 51">
                   <a:extLst>
                     <a:ext uri="{FF2B5EF4-FFF2-40B4-BE49-F238E27FC236}">
-                      <a16:creationId xmlns="" xmlns:p14="http://schemas.microsoft.com/office/powerpoint/2010/main" xmlns:a16="http://schemas.microsoft.com/office/drawing/2014/main" id="{137D4FC9-F18C-4E80-97F4-446A34E2EA38}"/>
+                      <a16:creationId xmlns:a16="http://schemas.microsoft.com/office/drawing/2014/main" xmlns:p14="http://schemas.microsoft.com/office/powerpoint/2010/main" xmlns="" id="{137D4FC9-F18C-4E80-97F4-446A34E2EA38}"/>
                     </a:ext>
                   </a:extLst>
                 </p:cNvPr>
@@ -8601,7 +8589,7 @@
                 <p:cNvPr id="82" name="任意多边形 52">
                   <a:extLst>
                     <a:ext uri="{FF2B5EF4-FFF2-40B4-BE49-F238E27FC236}">
-                      <a16:creationId xmlns="" xmlns:p14="http://schemas.microsoft.com/office/powerpoint/2010/main" xmlns:a16="http://schemas.microsoft.com/office/drawing/2014/main" id="{E472F9F7-B65E-4C86-B92D-108EAD01DE3C}"/>
+                      <a16:creationId xmlns:a16="http://schemas.microsoft.com/office/drawing/2014/main" xmlns:p14="http://schemas.microsoft.com/office/powerpoint/2010/main" xmlns="" id="{E472F9F7-B65E-4C86-B92D-108EAD01DE3C}"/>
                     </a:ext>
                   </a:extLst>
                 </p:cNvPr>
@@ -8697,7 +8685,7 @@
                 <p:cNvPr id="83" name="任意多边形 53">
                   <a:extLst>
                     <a:ext uri="{FF2B5EF4-FFF2-40B4-BE49-F238E27FC236}">
-                      <a16:creationId xmlns="" xmlns:p14="http://schemas.microsoft.com/office/powerpoint/2010/main" xmlns:a16="http://schemas.microsoft.com/office/drawing/2014/main" id="{55868828-3062-440D-9DD1-9AB52F2AAA55}"/>
+                      <a16:creationId xmlns:a16="http://schemas.microsoft.com/office/drawing/2014/main" xmlns:p14="http://schemas.microsoft.com/office/powerpoint/2010/main" xmlns="" id="{55868828-3062-440D-9DD1-9AB52F2AAA55}"/>
                     </a:ext>
                   </a:extLst>
                 </p:cNvPr>
@@ -8793,7 +8781,7 @@
                 <p:cNvPr id="84" name="任意多边形 54">
                   <a:extLst>
                     <a:ext uri="{FF2B5EF4-FFF2-40B4-BE49-F238E27FC236}">
-                      <a16:creationId xmlns="" xmlns:p14="http://schemas.microsoft.com/office/powerpoint/2010/main" xmlns:a16="http://schemas.microsoft.com/office/drawing/2014/main" id="{D2E56647-928E-4FB7-9467-2EADE12E2CBE}"/>
+                      <a16:creationId xmlns:a16="http://schemas.microsoft.com/office/drawing/2014/main" xmlns:p14="http://schemas.microsoft.com/office/powerpoint/2010/main" xmlns="" id="{D2E56647-928E-4FB7-9467-2EADE12E2CBE}"/>
                     </a:ext>
                   </a:extLst>
                 </p:cNvPr>
@@ -8889,7 +8877,7 @@
                 <p:cNvPr id="85" name="任意多边形 55">
                   <a:extLst>
                     <a:ext uri="{FF2B5EF4-FFF2-40B4-BE49-F238E27FC236}">
-                      <a16:creationId xmlns="" xmlns:p14="http://schemas.microsoft.com/office/powerpoint/2010/main" xmlns:a16="http://schemas.microsoft.com/office/drawing/2014/main" id="{1B528550-2E0F-4338-875F-CDF71C3D3A6A}"/>
+                      <a16:creationId xmlns:a16="http://schemas.microsoft.com/office/drawing/2014/main" xmlns:p14="http://schemas.microsoft.com/office/powerpoint/2010/main" xmlns="" id="{1B528550-2E0F-4338-875F-CDF71C3D3A6A}"/>
                     </a:ext>
                   </a:extLst>
                 </p:cNvPr>
@@ -8985,7 +8973,7 @@
                 <p:cNvPr id="86" name="任意多边形 56">
                   <a:extLst>
                     <a:ext uri="{FF2B5EF4-FFF2-40B4-BE49-F238E27FC236}">
-                      <a16:creationId xmlns="" xmlns:p14="http://schemas.microsoft.com/office/powerpoint/2010/main" xmlns:a16="http://schemas.microsoft.com/office/drawing/2014/main" id="{FC3472D0-290A-48AD-A572-639B41F604E8}"/>
+                      <a16:creationId xmlns:a16="http://schemas.microsoft.com/office/drawing/2014/main" xmlns:p14="http://schemas.microsoft.com/office/powerpoint/2010/main" xmlns="" id="{FC3472D0-290A-48AD-A572-639B41F604E8}"/>
                     </a:ext>
                   </a:extLst>
                 </p:cNvPr>
@@ -9081,7 +9069,7 @@
                 <p:cNvPr id="87" name="任意多边形 57">
                   <a:extLst>
                     <a:ext uri="{FF2B5EF4-FFF2-40B4-BE49-F238E27FC236}">
-                      <a16:creationId xmlns="" xmlns:p14="http://schemas.microsoft.com/office/powerpoint/2010/main" xmlns:a16="http://schemas.microsoft.com/office/drawing/2014/main" id="{F450091C-CFD8-4446-A5B2-67C71C897A48}"/>
+                      <a16:creationId xmlns:a16="http://schemas.microsoft.com/office/drawing/2014/main" xmlns:p14="http://schemas.microsoft.com/office/powerpoint/2010/main" xmlns="" id="{F450091C-CFD8-4446-A5B2-67C71C897A48}"/>
                     </a:ext>
                   </a:extLst>
                 </p:cNvPr>
@@ -9177,7 +9165,7 @@
                 <p:cNvPr id="88" name="任意多边形 58">
                   <a:extLst>
                     <a:ext uri="{FF2B5EF4-FFF2-40B4-BE49-F238E27FC236}">
-                      <a16:creationId xmlns="" xmlns:p14="http://schemas.microsoft.com/office/powerpoint/2010/main" xmlns:a16="http://schemas.microsoft.com/office/drawing/2014/main" id="{9266B1CA-54B5-4C55-8D2D-79CAE3E935BB}"/>
+                      <a16:creationId xmlns:a16="http://schemas.microsoft.com/office/drawing/2014/main" xmlns:p14="http://schemas.microsoft.com/office/powerpoint/2010/main" xmlns="" id="{9266B1CA-54B5-4C55-8D2D-79CAE3E935BB}"/>
                     </a:ext>
                   </a:extLst>
                 </p:cNvPr>
@@ -9273,7 +9261,7 @@
                 <p:cNvPr id="89" name="任意多边形 59">
                   <a:extLst>
                     <a:ext uri="{FF2B5EF4-FFF2-40B4-BE49-F238E27FC236}">
-                      <a16:creationId xmlns="" xmlns:p14="http://schemas.microsoft.com/office/powerpoint/2010/main" xmlns:a16="http://schemas.microsoft.com/office/drawing/2014/main" id="{D1A75AC4-21E0-460F-AA56-CAF6B50A1C8D}"/>
+                      <a16:creationId xmlns:a16="http://schemas.microsoft.com/office/drawing/2014/main" xmlns:p14="http://schemas.microsoft.com/office/powerpoint/2010/main" xmlns="" id="{D1A75AC4-21E0-460F-AA56-CAF6B50A1C8D}"/>
                     </a:ext>
                   </a:extLst>
                 </p:cNvPr>
@@ -9369,7 +9357,7 @@
                 <p:cNvPr id="90" name="任意多边形 60">
                   <a:extLst>
                     <a:ext uri="{FF2B5EF4-FFF2-40B4-BE49-F238E27FC236}">
-                      <a16:creationId xmlns="" xmlns:p14="http://schemas.microsoft.com/office/powerpoint/2010/main" xmlns:a16="http://schemas.microsoft.com/office/drawing/2014/main" id="{54A3EACD-0199-46E7-90AC-4BA36F540D91}"/>
+                      <a16:creationId xmlns:a16="http://schemas.microsoft.com/office/drawing/2014/main" xmlns:p14="http://schemas.microsoft.com/office/powerpoint/2010/main" xmlns="" id="{54A3EACD-0199-46E7-90AC-4BA36F540D91}"/>
                     </a:ext>
                   </a:extLst>
                 </p:cNvPr>
@@ -9465,7 +9453,7 @@
                 <p:cNvPr id="91" name="任意多边形 61">
                   <a:extLst>
                     <a:ext uri="{FF2B5EF4-FFF2-40B4-BE49-F238E27FC236}">
-                      <a16:creationId xmlns="" xmlns:p14="http://schemas.microsoft.com/office/powerpoint/2010/main" xmlns:a16="http://schemas.microsoft.com/office/drawing/2014/main" id="{F81796A7-9D95-4985-8485-77DC6DCBF392}"/>
+                      <a16:creationId xmlns:a16="http://schemas.microsoft.com/office/drawing/2014/main" xmlns:p14="http://schemas.microsoft.com/office/powerpoint/2010/main" xmlns="" id="{F81796A7-9D95-4985-8485-77DC6DCBF392}"/>
                     </a:ext>
                   </a:extLst>
                 </p:cNvPr>
@@ -9561,7 +9549,7 @@
                 <p:cNvPr id="92" name="任意多边形 62">
                   <a:extLst>
                     <a:ext uri="{FF2B5EF4-FFF2-40B4-BE49-F238E27FC236}">
-                      <a16:creationId xmlns="" xmlns:p14="http://schemas.microsoft.com/office/powerpoint/2010/main" xmlns:a16="http://schemas.microsoft.com/office/drawing/2014/main" id="{A0DCFC9F-E160-450F-8D2B-1DB57BCF825F}"/>
+                      <a16:creationId xmlns:a16="http://schemas.microsoft.com/office/drawing/2014/main" xmlns:p14="http://schemas.microsoft.com/office/powerpoint/2010/main" xmlns="" id="{A0DCFC9F-E160-450F-8D2B-1DB57BCF825F}"/>
                     </a:ext>
                   </a:extLst>
                 </p:cNvPr>
@@ -9659,7 +9647,7 @@
             <p:cNvPr id="12" name="组合 63">
               <a:extLst>
                 <a:ext uri="{FF2B5EF4-FFF2-40B4-BE49-F238E27FC236}">
-                  <a16:creationId xmlns="" xmlns:p14="http://schemas.microsoft.com/office/powerpoint/2010/main" xmlns:a16="http://schemas.microsoft.com/office/drawing/2014/main" id="{62CD7BAE-D5D1-4E39-9FBE-0BB137791422}"/>
+                  <a16:creationId xmlns:a16="http://schemas.microsoft.com/office/drawing/2014/main" xmlns:p14="http://schemas.microsoft.com/office/powerpoint/2010/main" xmlns="" id="{62CD7BAE-D5D1-4E39-9FBE-0BB137791422}"/>
                 </a:ext>
               </a:extLst>
             </p:cNvPr>
@@ -9682,7 +9670,7 @@
               <p:cNvPr id="65" name="任意多边形 64">
                 <a:extLst>
                   <a:ext uri="{FF2B5EF4-FFF2-40B4-BE49-F238E27FC236}">
-                    <a16:creationId xmlns="" xmlns:p14="http://schemas.microsoft.com/office/powerpoint/2010/main" xmlns:a16="http://schemas.microsoft.com/office/drawing/2014/main" id="{FC7C7772-40C5-4DEE-B9C6-A3B18649630B}"/>
+                    <a16:creationId xmlns:a16="http://schemas.microsoft.com/office/drawing/2014/main" xmlns:p14="http://schemas.microsoft.com/office/powerpoint/2010/main" xmlns="" id="{FC7C7772-40C5-4DEE-B9C6-A3B18649630B}"/>
                   </a:ext>
                 </a:extLst>
               </p:cNvPr>
@@ -9890,7 +9878,7 @@
               <p:cNvPr id="66" name="组合 65">
                 <a:extLst>
                   <a:ext uri="{FF2B5EF4-FFF2-40B4-BE49-F238E27FC236}">
-                    <a16:creationId xmlns="" xmlns:p14="http://schemas.microsoft.com/office/powerpoint/2010/main" xmlns:a16="http://schemas.microsoft.com/office/drawing/2014/main" id="{62CD7BAE-D5D1-4E39-9FBE-0BB137791422}"/>
+                    <a16:creationId xmlns:a16="http://schemas.microsoft.com/office/drawing/2014/main" xmlns:p14="http://schemas.microsoft.com/office/powerpoint/2010/main" xmlns="" id="{62CD7BAE-D5D1-4E39-9FBE-0BB137791422}"/>
                   </a:ext>
                 </a:extLst>
               </p:cNvPr>
@@ -9913,7 +9901,7 @@
                 <p:cNvPr id="67" name="任意多边形 66">
                   <a:extLst>
                     <a:ext uri="{FF2B5EF4-FFF2-40B4-BE49-F238E27FC236}">
-                      <a16:creationId xmlns="" xmlns:p14="http://schemas.microsoft.com/office/powerpoint/2010/main" xmlns:a16="http://schemas.microsoft.com/office/drawing/2014/main" id="{6319D6C6-664B-4F45-8A3E-8D74AB424688}"/>
+                      <a16:creationId xmlns:a16="http://schemas.microsoft.com/office/drawing/2014/main" xmlns:p14="http://schemas.microsoft.com/office/powerpoint/2010/main" xmlns="" id="{6319D6C6-664B-4F45-8A3E-8D74AB424688}"/>
                     </a:ext>
                   </a:extLst>
                 </p:cNvPr>
@@ -9993,7 +9981,7 @@
                 <p:cNvPr id="68" name="任意多边形 67">
                   <a:extLst>
                     <a:ext uri="{FF2B5EF4-FFF2-40B4-BE49-F238E27FC236}">
-                      <a16:creationId xmlns="" xmlns:p14="http://schemas.microsoft.com/office/powerpoint/2010/main" xmlns:a16="http://schemas.microsoft.com/office/drawing/2014/main" id="{16CBF835-E757-44D8-990F-2D1B2DA6B05C}"/>
+                      <a16:creationId xmlns:a16="http://schemas.microsoft.com/office/drawing/2014/main" xmlns:p14="http://schemas.microsoft.com/office/powerpoint/2010/main" xmlns="" id="{16CBF835-E757-44D8-990F-2D1B2DA6B05C}"/>
                     </a:ext>
                   </a:extLst>
                 </p:cNvPr>
@@ -10089,7 +10077,7 @@
                 <p:cNvPr id="69" name="任意多边形 68">
                   <a:extLst>
                     <a:ext uri="{FF2B5EF4-FFF2-40B4-BE49-F238E27FC236}">
-                      <a16:creationId xmlns="" xmlns:p14="http://schemas.microsoft.com/office/powerpoint/2010/main" xmlns:a16="http://schemas.microsoft.com/office/drawing/2014/main" id="{B755B3A5-10AB-4379-9E16-B8974FB8C045}"/>
+                      <a16:creationId xmlns:a16="http://schemas.microsoft.com/office/drawing/2014/main" xmlns:p14="http://schemas.microsoft.com/office/powerpoint/2010/main" xmlns="" id="{B755B3A5-10AB-4379-9E16-B8974FB8C045}"/>
                     </a:ext>
                   </a:extLst>
                 </p:cNvPr>
@@ -10185,7 +10173,7 @@
                 <p:cNvPr id="70" name="任意多边形 69">
                   <a:extLst>
                     <a:ext uri="{FF2B5EF4-FFF2-40B4-BE49-F238E27FC236}">
-                      <a16:creationId xmlns="" xmlns:p14="http://schemas.microsoft.com/office/powerpoint/2010/main" xmlns:a16="http://schemas.microsoft.com/office/drawing/2014/main" id="{0505E4DA-1E90-4023-BEB7-7DCA70B2B75A}"/>
+                      <a16:creationId xmlns:a16="http://schemas.microsoft.com/office/drawing/2014/main" xmlns:p14="http://schemas.microsoft.com/office/powerpoint/2010/main" xmlns="" id="{0505E4DA-1E90-4023-BEB7-7DCA70B2B75A}"/>
                     </a:ext>
                   </a:extLst>
                 </p:cNvPr>
@@ -10281,7 +10269,7 @@
                 <p:cNvPr id="71" name="任意多边形 70">
                   <a:extLst>
                     <a:ext uri="{FF2B5EF4-FFF2-40B4-BE49-F238E27FC236}">
-                      <a16:creationId xmlns="" xmlns:p14="http://schemas.microsoft.com/office/powerpoint/2010/main" xmlns:a16="http://schemas.microsoft.com/office/drawing/2014/main" id="{49A87379-5A54-433A-854D-53B162FC0486}"/>
+                      <a16:creationId xmlns:a16="http://schemas.microsoft.com/office/drawing/2014/main" xmlns:p14="http://schemas.microsoft.com/office/powerpoint/2010/main" xmlns="" id="{49A87379-5A54-433A-854D-53B162FC0486}"/>
                     </a:ext>
                   </a:extLst>
                 </p:cNvPr>
@@ -10377,7 +10365,7 @@
                 <p:cNvPr id="72" name="任意多边形 71">
                   <a:extLst>
                     <a:ext uri="{FF2B5EF4-FFF2-40B4-BE49-F238E27FC236}">
-                      <a16:creationId xmlns="" xmlns:p14="http://schemas.microsoft.com/office/powerpoint/2010/main" xmlns:a16="http://schemas.microsoft.com/office/drawing/2014/main" id="{7911ECB8-4CDE-42C4-B753-7845798EEB1C}"/>
+                      <a16:creationId xmlns:a16="http://schemas.microsoft.com/office/drawing/2014/main" xmlns:p14="http://schemas.microsoft.com/office/powerpoint/2010/main" xmlns="" id="{7911ECB8-4CDE-42C4-B753-7845798EEB1C}"/>
                     </a:ext>
                   </a:extLst>
                 </p:cNvPr>
@@ -10473,7 +10461,7 @@
                 <p:cNvPr id="73" name="任意多边形 72">
                   <a:extLst>
                     <a:ext uri="{FF2B5EF4-FFF2-40B4-BE49-F238E27FC236}">
-                      <a16:creationId xmlns="" xmlns:p14="http://schemas.microsoft.com/office/powerpoint/2010/main" xmlns:a16="http://schemas.microsoft.com/office/drawing/2014/main" id="{4809C6FC-BC36-43B8-92C9-6A89C6F73E1C}"/>
+                      <a16:creationId xmlns:a16="http://schemas.microsoft.com/office/drawing/2014/main" xmlns:p14="http://schemas.microsoft.com/office/powerpoint/2010/main" xmlns="" id="{4809C6FC-BC36-43B8-92C9-6A89C6F73E1C}"/>
                     </a:ext>
                   </a:extLst>
                 </p:cNvPr>
@@ -10569,7 +10557,7 @@
                 <p:cNvPr id="74" name="任意多边形 73">
                   <a:extLst>
                     <a:ext uri="{FF2B5EF4-FFF2-40B4-BE49-F238E27FC236}">
-                      <a16:creationId xmlns="" xmlns:p14="http://schemas.microsoft.com/office/powerpoint/2010/main" xmlns:a16="http://schemas.microsoft.com/office/drawing/2014/main" id="{475E0578-D018-477F-8146-5221B8916BFF}"/>
+                      <a16:creationId xmlns:a16="http://schemas.microsoft.com/office/drawing/2014/main" xmlns:p14="http://schemas.microsoft.com/office/powerpoint/2010/main" xmlns="" id="{475E0578-D018-477F-8146-5221B8916BFF}"/>
                     </a:ext>
                   </a:extLst>
                 </p:cNvPr>
@@ -10665,7 +10653,7 @@
                 <p:cNvPr id="75" name="任意多边形 74">
                   <a:extLst>
                     <a:ext uri="{FF2B5EF4-FFF2-40B4-BE49-F238E27FC236}">
-                      <a16:creationId xmlns="" xmlns:p14="http://schemas.microsoft.com/office/powerpoint/2010/main" xmlns:a16="http://schemas.microsoft.com/office/drawing/2014/main" id="{EAE7BB66-2B1E-4C56-9871-50756A7AB880}"/>
+                      <a16:creationId xmlns:a16="http://schemas.microsoft.com/office/drawing/2014/main" xmlns:p14="http://schemas.microsoft.com/office/powerpoint/2010/main" xmlns="" id="{EAE7BB66-2B1E-4C56-9871-50756A7AB880}"/>
                     </a:ext>
                   </a:extLst>
                 </p:cNvPr>
@@ -10761,7 +10749,7 @@
                 <p:cNvPr id="76" name="任意多边形 75">
                   <a:extLst>
                     <a:ext uri="{FF2B5EF4-FFF2-40B4-BE49-F238E27FC236}">
-                      <a16:creationId xmlns="" xmlns:p14="http://schemas.microsoft.com/office/powerpoint/2010/main" xmlns:a16="http://schemas.microsoft.com/office/drawing/2014/main" id="{CB7A67CF-24DC-4D48-BCE3-9261E8BCDE75}"/>
+                      <a16:creationId xmlns:a16="http://schemas.microsoft.com/office/drawing/2014/main" xmlns:p14="http://schemas.microsoft.com/office/powerpoint/2010/main" xmlns="" id="{CB7A67CF-24DC-4D48-BCE3-9261E8BCDE75}"/>
                     </a:ext>
                   </a:extLst>
                 </p:cNvPr>
@@ -10857,7 +10845,7 @@
                 <p:cNvPr id="77" name="任意多边形 76">
                   <a:extLst>
                     <a:ext uri="{FF2B5EF4-FFF2-40B4-BE49-F238E27FC236}">
-                      <a16:creationId xmlns="" xmlns:p14="http://schemas.microsoft.com/office/powerpoint/2010/main" xmlns:a16="http://schemas.microsoft.com/office/drawing/2014/main" id="{CE3A3525-E146-4191-BD2D-0B8173648FD3}"/>
+                      <a16:creationId xmlns:a16="http://schemas.microsoft.com/office/drawing/2014/main" xmlns:p14="http://schemas.microsoft.com/office/powerpoint/2010/main" xmlns="" id="{CE3A3525-E146-4191-BD2D-0B8173648FD3}"/>
                     </a:ext>
                   </a:extLst>
                 </p:cNvPr>
@@ -10953,7 +10941,7 @@
                 <p:cNvPr id="78" name="任意多边形 77">
                   <a:extLst>
                     <a:ext uri="{FF2B5EF4-FFF2-40B4-BE49-F238E27FC236}">
-                      <a16:creationId xmlns="" xmlns:p14="http://schemas.microsoft.com/office/powerpoint/2010/main" xmlns:a16="http://schemas.microsoft.com/office/drawing/2014/main" id="{9094CE87-3883-4087-94F8-D1015D32B696}"/>
+                      <a16:creationId xmlns:a16="http://schemas.microsoft.com/office/drawing/2014/main" xmlns:p14="http://schemas.microsoft.com/office/powerpoint/2010/main" xmlns="" id="{9094CE87-3883-4087-94F8-D1015D32B696}"/>
                     </a:ext>
                   </a:extLst>
                 </p:cNvPr>
@@ -11051,7 +11039,7 @@
             <p:cNvPr id="13" name="组合 78">
               <a:extLst>
                 <a:ext uri="{FF2B5EF4-FFF2-40B4-BE49-F238E27FC236}">
-                  <a16:creationId xmlns="" xmlns:p14="http://schemas.microsoft.com/office/powerpoint/2010/main" xmlns:a16="http://schemas.microsoft.com/office/drawing/2014/main" id="{62CD7BAE-D5D1-4E39-9FBE-0BB137791422}"/>
+                  <a16:creationId xmlns:a16="http://schemas.microsoft.com/office/drawing/2014/main" xmlns:p14="http://schemas.microsoft.com/office/powerpoint/2010/main" xmlns="" id="{62CD7BAE-D5D1-4E39-9FBE-0BB137791422}"/>
                 </a:ext>
               </a:extLst>
             </p:cNvPr>
@@ -11074,7 +11062,7 @@
               <p:cNvPr id="51" name="任意多边形 79">
                 <a:extLst>
                   <a:ext uri="{FF2B5EF4-FFF2-40B4-BE49-F238E27FC236}">
-                    <a16:creationId xmlns="" xmlns:p14="http://schemas.microsoft.com/office/powerpoint/2010/main" xmlns:a16="http://schemas.microsoft.com/office/drawing/2014/main" id="{E8719D9B-996C-4A41-9F63-6AB1EDBF7F2E}"/>
+                    <a16:creationId xmlns:a16="http://schemas.microsoft.com/office/drawing/2014/main" xmlns:p14="http://schemas.microsoft.com/office/powerpoint/2010/main" xmlns="" id="{E8719D9B-996C-4A41-9F63-6AB1EDBF7F2E}"/>
                   </a:ext>
                 </a:extLst>
               </p:cNvPr>
@@ -11282,7 +11270,7 @@
               <p:cNvPr id="52" name="组合 80">
                 <a:extLst>
                   <a:ext uri="{FF2B5EF4-FFF2-40B4-BE49-F238E27FC236}">
-                    <a16:creationId xmlns="" xmlns:p14="http://schemas.microsoft.com/office/powerpoint/2010/main" xmlns:a16="http://schemas.microsoft.com/office/drawing/2014/main" id="{62CD7BAE-D5D1-4E39-9FBE-0BB137791422}"/>
+                    <a16:creationId xmlns:a16="http://schemas.microsoft.com/office/drawing/2014/main" xmlns:p14="http://schemas.microsoft.com/office/powerpoint/2010/main" xmlns="" id="{62CD7BAE-D5D1-4E39-9FBE-0BB137791422}"/>
                   </a:ext>
                 </a:extLst>
               </p:cNvPr>
@@ -11305,7 +11293,7 @@
                 <p:cNvPr id="53" name="任意多边形 81">
                   <a:extLst>
                     <a:ext uri="{FF2B5EF4-FFF2-40B4-BE49-F238E27FC236}">
-                      <a16:creationId xmlns="" xmlns:p14="http://schemas.microsoft.com/office/powerpoint/2010/main" xmlns:a16="http://schemas.microsoft.com/office/drawing/2014/main" id="{D6F8DBEC-A6D9-48E2-9260-365F5559029E}"/>
+                      <a16:creationId xmlns:a16="http://schemas.microsoft.com/office/drawing/2014/main" xmlns:p14="http://schemas.microsoft.com/office/powerpoint/2010/main" xmlns="" id="{D6F8DBEC-A6D9-48E2-9260-365F5559029E}"/>
                     </a:ext>
                   </a:extLst>
                 </p:cNvPr>
@@ -11385,7 +11373,7 @@
                 <p:cNvPr id="54" name="任意多边形 82">
                   <a:extLst>
                     <a:ext uri="{FF2B5EF4-FFF2-40B4-BE49-F238E27FC236}">
-                      <a16:creationId xmlns="" xmlns:p14="http://schemas.microsoft.com/office/powerpoint/2010/main" xmlns:a16="http://schemas.microsoft.com/office/drawing/2014/main" id="{A57F60D8-2D51-44BB-BDEF-15DE3E4C6C23}"/>
+                      <a16:creationId xmlns:a16="http://schemas.microsoft.com/office/drawing/2014/main" xmlns:p14="http://schemas.microsoft.com/office/powerpoint/2010/main" xmlns="" id="{A57F60D8-2D51-44BB-BDEF-15DE3E4C6C23}"/>
                     </a:ext>
                   </a:extLst>
                 </p:cNvPr>
@@ -11481,7 +11469,7 @@
                 <p:cNvPr id="55" name="任意多边形 83">
                   <a:extLst>
                     <a:ext uri="{FF2B5EF4-FFF2-40B4-BE49-F238E27FC236}">
-                      <a16:creationId xmlns="" xmlns:p14="http://schemas.microsoft.com/office/powerpoint/2010/main" xmlns:a16="http://schemas.microsoft.com/office/drawing/2014/main" id="{45A2CE8A-A632-41BA-ABA2-073834CD4446}"/>
+                      <a16:creationId xmlns:a16="http://schemas.microsoft.com/office/drawing/2014/main" xmlns:p14="http://schemas.microsoft.com/office/powerpoint/2010/main" xmlns="" id="{45A2CE8A-A632-41BA-ABA2-073834CD4446}"/>
                     </a:ext>
                   </a:extLst>
                 </p:cNvPr>
@@ -11577,7 +11565,7 @@
                 <p:cNvPr id="56" name="任意多边形 84">
                   <a:extLst>
                     <a:ext uri="{FF2B5EF4-FFF2-40B4-BE49-F238E27FC236}">
-                      <a16:creationId xmlns="" xmlns:p14="http://schemas.microsoft.com/office/powerpoint/2010/main" xmlns:a16="http://schemas.microsoft.com/office/drawing/2014/main" id="{DF833CEC-9A85-4369-9B96-FCE36EA40FDE}"/>
+                      <a16:creationId xmlns:a16="http://schemas.microsoft.com/office/drawing/2014/main" xmlns:p14="http://schemas.microsoft.com/office/powerpoint/2010/main" xmlns="" id="{DF833CEC-9A85-4369-9B96-FCE36EA40FDE}"/>
                     </a:ext>
                   </a:extLst>
                 </p:cNvPr>
@@ -11673,7 +11661,7 @@
                 <p:cNvPr id="57" name="任意多边形 85">
                   <a:extLst>
                     <a:ext uri="{FF2B5EF4-FFF2-40B4-BE49-F238E27FC236}">
-                      <a16:creationId xmlns="" xmlns:p14="http://schemas.microsoft.com/office/powerpoint/2010/main" xmlns:a16="http://schemas.microsoft.com/office/drawing/2014/main" id="{F9C81C93-9A18-498E-B03B-3C6DB222F78A}"/>
+                      <a16:creationId xmlns:a16="http://schemas.microsoft.com/office/drawing/2014/main" xmlns:p14="http://schemas.microsoft.com/office/powerpoint/2010/main" xmlns="" id="{F9C81C93-9A18-498E-B03B-3C6DB222F78A}"/>
                     </a:ext>
                   </a:extLst>
                 </p:cNvPr>
@@ -11769,7 +11757,7 @@
                 <p:cNvPr id="58" name="任意多边形 86">
                   <a:extLst>
                     <a:ext uri="{FF2B5EF4-FFF2-40B4-BE49-F238E27FC236}">
-                      <a16:creationId xmlns="" xmlns:p14="http://schemas.microsoft.com/office/powerpoint/2010/main" xmlns:a16="http://schemas.microsoft.com/office/drawing/2014/main" id="{238C0587-589D-4CF1-92BE-4582EBB47606}"/>
+                      <a16:creationId xmlns:a16="http://schemas.microsoft.com/office/drawing/2014/main" xmlns:p14="http://schemas.microsoft.com/office/powerpoint/2010/main" xmlns="" id="{238C0587-589D-4CF1-92BE-4582EBB47606}"/>
                     </a:ext>
                   </a:extLst>
                 </p:cNvPr>
@@ -11865,7 +11853,7 @@
                 <p:cNvPr id="59" name="任意多边形 87">
                   <a:extLst>
                     <a:ext uri="{FF2B5EF4-FFF2-40B4-BE49-F238E27FC236}">
-                      <a16:creationId xmlns="" xmlns:p14="http://schemas.microsoft.com/office/powerpoint/2010/main" xmlns:a16="http://schemas.microsoft.com/office/drawing/2014/main" id="{7F8987A9-3567-493A-89A1-5206A071674C}"/>
+                      <a16:creationId xmlns:a16="http://schemas.microsoft.com/office/drawing/2014/main" xmlns:p14="http://schemas.microsoft.com/office/powerpoint/2010/main" xmlns="" id="{7F8987A9-3567-493A-89A1-5206A071674C}"/>
                     </a:ext>
                   </a:extLst>
                 </p:cNvPr>
@@ -11961,7 +11949,7 @@
                 <p:cNvPr id="60" name="任意多边形 88">
                   <a:extLst>
                     <a:ext uri="{FF2B5EF4-FFF2-40B4-BE49-F238E27FC236}">
-                      <a16:creationId xmlns="" xmlns:p14="http://schemas.microsoft.com/office/powerpoint/2010/main" xmlns:a16="http://schemas.microsoft.com/office/drawing/2014/main" id="{4435176D-920C-4591-8153-219845C11F17}"/>
+                      <a16:creationId xmlns:a16="http://schemas.microsoft.com/office/drawing/2014/main" xmlns:p14="http://schemas.microsoft.com/office/powerpoint/2010/main" xmlns="" id="{4435176D-920C-4591-8153-219845C11F17}"/>
                     </a:ext>
                   </a:extLst>
                 </p:cNvPr>
@@ -12057,7 +12045,7 @@
                 <p:cNvPr id="61" name="任意多边形 89">
                   <a:extLst>
                     <a:ext uri="{FF2B5EF4-FFF2-40B4-BE49-F238E27FC236}">
-                      <a16:creationId xmlns="" xmlns:p14="http://schemas.microsoft.com/office/powerpoint/2010/main" xmlns:a16="http://schemas.microsoft.com/office/drawing/2014/main" id="{FC12F9D5-459C-459E-85CA-283D65E513F2}"/>
+                      <a16:creationId xmlns:a16="http://schemas.microsoft.com/office/drawing/2014/main" xmlns:p14="http://schemas.microsoft.com/office/powerpoint/2010/main" xmlns="" id="{FC12F9D5-459C-459E-85CA-283D65E513F2}"/>
                     </a:ext>
                   </a:extLst>
                 </p:cNvPr>
@@ -12153,7 +12141,7 @@
                 <p:cNvPr id="62" name="任意多边形 90">
                   <a:extLst>
                     <a:ext uri="{FF2B5EF4-FFF2-40B4-BE49-F238E27FC236}">
-                      <a16:creationId xmlns="" xmlns:p14="http://schemas.microsoft.com/office/powerpoint/2010/main" xmlns:a16="http://schemas.microsoft.com/office/drawing/2014/main" id="{8F5875F6-E8E9-4CF4-BCF7-911FBE04945C}"/>
+                      <a16:creationId xmlns:a16="http://schemas.microsoft.com/office/drawing/2014/main" xmlns:p14="http://schemas.microsoft.com/office/powerpoint/2010/main" xmlns="" id="{8F5875F6-E8E9-4CF4-BCF7-911FBE04945C}"/>
                     </a:ext>
                   </a:extLst>
                 </p:cNvPr>
@@ -12249,7 +12237,7 @@
                 <p:cNvPr id="63" name="任意多边形 91">
                   <a:extLst>
                     <a:ext uri="{FF2B5EF4-FFF2-40B4-BE49-F238E27FC236}">
-                      <a16:creationId xmlns="" xmlns:p14="http://schemas.microsoft.com/office/powerpoint/2010/main" xmlns:a16="http://schemas.microsoft.com/office/drawing/2014/main" id="{BC6522CF-25B6-44D7-8685-4069117E1BBE}"/>
+                      <a16:creationId xmlns:a16="http://schemas.microsoft.com/office/drawing/2014/main" xmlns:p14="http://schemas.microsoft.com/office/powerpoint/2010/main" xmlns="" id="{BC6522CF-25B6-44D7-8685-4069117E1BBE}"/>
                     </a:ext>
                   </a:extLst>
                 </p:cNvPr>
@@ -12345,7 +12333,7 @@
                 <p:cNvPr id="64" name="任意多边形 92">
                   <a:extLst>
                     <a:ext uri="{FF2B5EF4-FFF2-40B4-BE49-F238E27FC236}">
-                      <a16:creationId xmlns="" xmlns:p14="http://schemas.microsoft.com/office/powerpoint/2010/main" xmlns:a16="http://schemas.microsoft.com/office/drawing/2014/main" id="{058BB137-1C53-4D26-BF40-BA64A6E56E90}"/>
+                      <a16:creationId xmlns:a16="http://schemas.microsoft.com/office/drawing/2014/main" xmlns:p14="http://schemas.microsoft.com/office/powerpoint/2010/main" xmlns="" id="{058BB137-1C53-4D26-BF40-BA64A6E56E90}"/>
                     </a:ext>
                   </a:extLst>
                 </p:cNvPr>
@@ -12443,7 +12431,7 @@
             <p:cNvPr id="14" name="组合 93">
               <a:extLst>
                 <a:ext uri="{FF2B5EF4-FFF2-40B4-BE49-F238E27FC236}">
-                  <a16:creationId xmlns="" xmlns:p14="http://schemas.microsoft.com/office/powerpoint/2010/main" xmlns:a16="http://schemas.microsoft.com/office/drawing/2014/main" id="{62CD7BAE-D5D1-4E39-9FBE-0BB137791422}"/>
+                  <a16:creationId xmlns:a16="http://schemas.microsoft.com/office/drawing/2014/main" xmlns:p14="http://schemas.microsoft.com/office/powerpoint/2010/main" xmlns="" id="{62CD7BAE-D5D1-4E39-9FBE-0BB137791422}"/>
                 </a:ext>
               </a:extLst>
             </p:cNvPr>
@@ -12466,7 +12454,7 @@
               <p:cNvPr id="36" name="任意多边形 94">
                 <a:extLst>
                   <a:ext uri="{FF2B5EF4-FFF2-40B4-BE49-F238E27FC236}">
-                    <a16:creationId xmlns="" xmlns:p14="http://schemas.microsoft.com/office/powerpoint/2010/main" xmlns:a16="http://schemas.microsoft.com/office/drawing/2014/main" id="{FBBD25C2-A3F6-48E5-A97D-A3EF4BC31B71}"/>
+                    <a16:creationId xmlns:a16="http://schemas.microsoft.com/office/drawing/2014/main" xmlns:p14="http://schemas.microsoft.com/office/powerpoint/2010/main" xmlns="" id="{FBBD25C2-A3F6-48E5-A97D-A3EF4BC31B71}"/>
                   </a:ext>
                 </a:extLst>
               </p:cNvPr>
@@ -12546,7 +12534,7 @@
               <p:cNvPr id="37" name="任意多边形 95">
                 <a:extLst>
                   <a:ext uri="{FF2B5EF4-FFF2-40B4-BE49-F238E27FC236}">
-                    <a16:creationId xmlns="" xmlns:p14="http://schemas.microsoft.com/office/powerpoint/2010/main" xmlns:a16="http://schemas.microsoft.com/office/drawing/2014/main" id="{C44B82AF-E20C-4D93-B216-0B084BE55FE1}"/>
+                    <a16:creationId xmlns:a16="http://schemas.microsoft.com/office/drawing/2014/main" xmlns:p14="http://schemas.microsoft.com/office/powerpoint/2010/main" xmlns="" id="{C44B82AF-E20C-4D93-B216-0B084BE55FE1}"/>
                   </a:ext>
                 </a:extLst>
               </p:cNvPr>
@@ -12626,7 +12614,7 @@
               <p:cNvPr id="38" name="任意多边形 96">
                 <a:extLst>
                   <a:ext uri="{FF2B5EF4-FFF2-40B4-BE49-F238E27FC236}">
-                    <a16:creationId xmlns="" xmlns:p14="http://schemas.microsoft.com/office/powerpoint/2010/main" xmlns:a16="http://schemas.microsoft.com/office/drawing/2014/main" id="{D01A1B5C-5450-4CF8-9961-100AAA0BED48}"/>
+                    <a16:creationId xmlns:a16="http://schemas.microsoft.com/office/drawing/2014/main" xmlns:p14="http://schemas.microsoft.com/office/powerpoint/2010/main" xmlns="" id="{D01A1B5C-5450-4CF8-9961-100AAA0BED48}"/>
                   </a:ext>
                 </a:extLst>
               </p:cNvPr>
@@ -12706,7 +12694,7 @@
               <p:cNvPr id="39" name="任意多边形 97">
                 <a:extLst>
                   <a:ext uri="{FF2B5EF4-FFF2-40B4-BE49-F238E27FC236}">
-                    <a16:creationId xmlns="" xmlns:p14="http://schemas.microsoft.com/office/powerpoint/2010/main" xmlns:a16="http://schemas.microsoft.com/office/drawing/2014/main" id="{9D23BE83-646A-45BE-824B-8F9625E93B80}"/>
+                    <a16:creationId xmlns:a16="http://schemas.microsoft.com/office/drawing/2014/main" xmlns:p14="http://schemas.microsoft.com/office/powerpoint/2010/main" xmlns="" id="{9D23BE83-646A-45BE-824B-8F9625E93B80}"/>
                   </a:ext>
                 </a:extLst>
               </p:cNvPr>
@@ -12786,7 +12774,7 @@
               <p:cNvPr id="40" name="任意多边形 98">
                 <a:extLst>
                   <a:ext uri="{FF2B5EF4-FFF2-40B4-BE49-F238E27FC236}">
-                    <a16:creationId xmlns="" xmlns:p14="http://schemas.microsoft.com/office/powerpoint/2010/main" xmlns:a16="http://schemas.microsoft.com/office/drawing/2014/main" id="{D1B3E5EB-89FC-4C80-9ED8-1D7E8FEF7451}"/>
+                    <a16:creationId xmlns:a16="http://schemas.microsoft.com/office/drawing/2014/main" xmlns:p14="http://schemas.microsoft.com/office/powerpoint/2010/main" xmlns="" id="{D1B3E5EB-89FC-4C80-9ED8-1D7E8FEF7451}"/>
                   </a:ext>
                 </a:extLst>
               </p:cNvPr>
@@ -12866,7 +12854,7 @@
               <p:cNvPr id="41" name="任意多边形 99">
                 <a:extLst>
                   <a:ext uri="{FF2B5EF4-FFF2-40B4-BE49-F238E27FC236}">
-                    <a16:creationId xmlns="" xmlns:p14="http://schemas.microsoft.com/office/powerpoint/2010/main" xmlns:a16="http://schemas.microsoft.com/office/drawing/2014/main" id="{32C71B25-56BD-4936-B5D5-FCD601BCA32D}"/>
+                    <a16:creationId xmlns:a16="http://schemas.microsoft.com/office/drawing/2014/main" xmlns:p14="http://schemas.microsoft.com/office/powerpoint/2010/main" xmlns="" id="{32C71B25-56BD-4936-B5D5-FCD601BCA32D}"/>
                   </a:ext>
                 </a:extLst>
               </p:cNvPr>
@@ -12946,7 +12934,7 @@
               <p:cNvPr id="42" name="任意多边形 100">
                 <a:extLst>
                   <a:ext uri="{FF2B5EF4-FFF2-40B4-BE49-F238E27FC236}">
-                    <a16:creationId xmlns="" xmlns:p14="http://schemas.microsoft.com/office/powerpoint/2010/main" xmlns:a16="http://schemas.microsoft.com/office/drawing/2014/main" id="{ADB5AF15-0E1D-4911-9C5D-6D8D8EB45972}"/>
+                    <a16:creationId xmlns:a16="http://schemas.microsoft.com/office/drawing/2014/main" xmlns:p14="http://schemas.microsoft.com/office/powerpoint/2010/main" xmlns="" id="{ADB5AF15-0E1D-4911-9C5D-6D8D8EB45972}"/>
                   </a:ext>
                 </a:extLst>
               </p:cNvPr>
@@ -13026,7 +13014,7 @@
               <p:cNvPr id="43" name="任意多边形 101">
                 <a:extLst>
                   <a:ext uri="{FF2B5EF4-FFF2-40B4-BE49-F238E27FC236}">
-                    <a16:creationId xmlns="" xmlns:p14="http://schemas.microsoft.com/office/powerpoint/2010/main" xmlns:a16="http://schemas.microsoft.com/office/drawing/2014/main" id="{C1F116EE-9F43-4F5C-B215-4C78EF2BD7FF}"/>
+                    <a16:creationId xmlns:a16="http://schemas.microsoft.com/office/drawing/2014/main" xmlns:p14="http://schemas.microsoft.com/office/powerpoint/2010/main" xmlns="" id="{C1F116EE-9F43-4F5C-B215-4C78EF2BD7FF}"/>
                   </a:ext>
                 </a:extLst>
               </p:cNvPr>
@@ -13106,7 +13094,7 @@
               <p:cNvPr id="44" name="任意多边形 102">
                 <a:extLst>
                   <a:ext uri="{FF2B5EF4-FFF2-40B4-BE49-F238E27FC236}">
-                    <a16:creationId xmlns="" xmlns:p14="http://schemas.microsoft.com/office/powerpoint/2010/main" xmlns:a16="http://schemas.microsoft.com/office/drawing/2014/main" id="{5549ED84-4105-4560-B0A0-466F14C62581}"/>
+                    <a16:creationId xmlns:a16="http://schemas.microsoft.com/office/drawing/2014/main" xmlns:p14="http://schemas.microsoft.com/office/powerpoint/2010/main" xmlns="" id="{5549ED84-4105-4560-B0A0-466F14C62581}"/>
                   </a:ext>
                 </a:extLst>
               </p:cNvPr>
@@ -13186,7 +13174,7 @@
               <p:cNvPr id="45" name="任意多边形 103">
                 <a:extLst>
                   <a:ext uri="{FF2B5EF4-FFF2-40B4-BE49-F238E27FC236}">
-                    <a16:creationId xmlns="" xmlns:p14="http://schemas.microsoft.com/office/powerpoint/2010/main" xmlns:a16="http://schemas.microsoft.com/office/drawing/2014/main" id="{2602CE4B-5C5D-48B4-A0AD-465FA15D14D4}"/>
+                    <a16:creationId xmlns:a16="http://schemas.microsoft.com/office/drawing/2014/main" xmlns:p14="http://schemas.microsoft.com/office/powerpoint/2010/main" xmlns="" id="{2602CE4B-5C5D-48B4-A0AD-465FA15D14D4}"/>
                   </a:ext>
                 </a:extLst>
               </p:cNvPr>
@@ -13266,7 +13254,7 @@
               <p:cNvPr id="46" name="任意多边形 104">
                 <a:extLst>
                   <a:ext uri="{FF2B5EF4-FFF2-40B4-BE49-F238E27FC236}">
-                    <a16:creationId xmlns="" xmlns:p14="http://schemas.microsoft.com/office/powerpoint/2010/main" xmlns:a16="http://schemas.microsoft.com/office/drawing/2014/main" id="{B9C8D5E8-227F-4968-9AA2-19F224F9DF66}"/>
+                    <a16:creationId xmlns:a16="http://schemas.microsoft.com/office/drawing/2014/main" xmlns:p14="http://schemas.microsoft.com/office/powerpoint/2010/main" xmlns="" id="{B9C8D5E8-227F-4968-9AA2-19F224F9DF66}"/>
                   </a:ext>
                 </a:extLst>
               </p:cNvPr>
@@ -13346,7 +13334,7 @@
               <p:cNvPr id="47" name="任意多边形 105">
                 <a:extLst>
                   <a:ext uri="{FF2B5EF4-FFF2-40B4-BE49-F238E27FC236}">
-                    <a16:creationId xmlns="" xmlns:p14="http://schemas.microsoft.com/office/powerpoint/2010/main" xmlns:a16="http://schemas.microsoft.com/office/drawing/2014/main" id="{1BED2AF4-A751-43E5-944D-EBB4471AB66A}"/>
+                    <a16:creationId xmlns:a16="http://schemas.microsoft.com/office/drawing/2014/main" xmlns:p14="http://schemas.microsoft.com/office/powerpoint/2010/main" xmlns="" id="{1BED2AF4-A751-43E5-944D-EBB4471AB66A}"/>
                   </a:ext>
                 </a:extLst>
               </p:cNvPr>
@@ -13426,7 +13414,7 @@
               <p:cNvPr id="48" name="任意多边形 106">
                 <a:extLst>
                   <a:ext uri="{FF2B5EF4-FFF2-40B4-BE49-F238E27FC236}">
-                    <a16:creationId xmlns="" xmlns:p14="http://schemas.microsoft.com/office/powerpoint/2010/main" xmlns:a16="http://schemas.microsoft.com/office/drawing/2014/main" id="{8E22EE2A-CCA0-4EE0-97EE-FDFD199B7603}"/>
+                    <a16:creationId xmlns:a16="http://schemas.microsoft.com/office/drawing/2014/main" xmlns:p14="http://schemas.microsoft.com/office/powerpoint/2010/main" xmlns="" id="{8E22EE2A-CCA0-4EE0-97EE-FDFD199B7603}"/>
                   </a:ext>
                 </a:extLst>
               </p:cNvPr>
@@ -13506,7 +13494,7 @@
               <p:cNvPr id="49" name="任意多边形 107">
                 <a:extLst>
                   <a:ext uri="{FF2B5EF4-FFF2-40B4-BE49-F238E27FC236}">
-                    <a16:creationId xmlns="" xmlns:p14="http://schemas.microsoft.com/office/powerpoint/2010/main" xmlns:a16="http://schemas.microsoft.com/office/drawing/2014/main" id="{585FF2B8-DCB8-44DF-A036-FD2A86808F58}"/>
+                    <a16:creationId xmlns:a16="http://schemas.microsoft.com/office/drawing/2014/main" xmlns:p14="http://schemas.microsoft.com/office/powerpoint/2010/main" xmlns="" id="{585FF2B8-DCB8-44DF-A036-FD2A86808F58}"/>
                   </a:ext>
                 </a:extLst>
               </p:cNvPr>
@@ -13586,7 +13574,7 @@
               <p:cNvPr id="50" name="任意多边形 108">
                 <a:extLst>
                   <a:ext uri="{FF2B5EF4-FFF2-40B4-BE49-F238E27FC236}">
-                    <a16:creationId xmlns="" xmlns:p14="http://schemas.microsoft.com/office/powerpoint/2010/main" xmlns:a16="http://schemas.microsoft.com/office/drawing/2014/main" id="{19BAEB21-3B7E-4A6D-92B0-B3AF2AB140B0}"/>
+                    <a16:creationId xmlns:a16="http://schemas.microsoft.com/office/drawing/2014/main" xmlns:p14="http://schemas.microsoft.com/office/powerpoint/2010/main" xmlns="" id="{19BAEB21-3B7E-4A6D-92B0-B3AF2AB140B0}"/>
                   </a:ext>
                 </a:extLst>
               </p:cNvPr>
@@ -13667,7 +13655,7 @@
             <p:cNvPr id="15" name="组合 109">
               <a:extLst>
                 <a:ext uri="{FF2B5EF4-FFF2-40B4-BE49-F238E27FC236}">
-                  <a16:creationId xmlns="" xmlns:p14="http://schemas.microsoft.com/office/powerpoint/2010/main" xmlns:a16="http://schemas.microsoft.com/office/drawing/2014/main" id="{62CD7BAE-D5D1-4E39-9FBE-0BB137791422}"/>
+                  <a16:creationId xmlns:a16="http://schemas.microsoft.com/office/drawing/2014/main" xmlns:p14="http://schemas.microsoft.com/office/powerpoint/2010/main" xmlns="" id="{62CD7BAE-D5D1-4E39-9FBE-0BB137791422}"/>
                 </a:ext>
               </a:extLst>
             </p:cNvPr>
@@ -13687,7 +13675,7 @@
               <p:cNvPr id="16" name="任意多边形 110">
                 <a:extLst>
                   <a:ext uri="{FF2B5EF4-FFF2-40B4-BE49-F238E27FC236}">
-                    <a16:creationId xmlns="" xmlns:p14="http://schemas.microsoft.com/office/powerpoint/2010/main" xmlns:a16="http://schemas.microsoft.com/office/drawing/2014/main" id="{55FC4B3B-7733-414A-AD96-F180D5A6B6BA}"/>
+                    <a16:creationId xmlns:a16="http://schemas.microsoft.com/office/drawing/2014/main" xmlns:p14="http://schemas.microsoft.com/office/powerpoint/2010/main" xmlns="" id="{55FC4B3B-7733-414A-AD96-F180D5A6B6BA}"/>
                   </a:ext>
                 </a:extLst>
               </p:cNvPr>
@@ -14003,7 +13991,7 @@
               <p:cNvPr id="17" name="任意多边形 111">
                 <a:extLst>
                   <a:ext uri="{FF2B5EF4-FFF2-40B4-BE49-F238E27FC236}">
-                    <a16:creationId xmlns="" xmlns:p14="http://schemas.microsoft.com/office/powerpoint/2010/main" xmlns:a16="http://schemas.microsoft.com/office/drawing/2014/main" id="{81F550C2-682E-4D52-85DF-ACB7E1308EA5}"/>
+                    <a16:creationId xmlns:a16="http://schemas.microsoft.com/office/drawing/2014/main" xmlns:p14="http://schemas.microsoft.com/office/powerpoint/2010/main" xmlns="" id="{81F550C2-682E-4D52-85DF-ACB7E1308EA5}"/>
                   </a:ext>
                 </a:extLst>
               </p:cNvPr>
@@ -14269,7 +14257,7 @@
               <p:cNvPr id="18" name="任意多边形 112">
                 <a:extLst>
                   <a:ext uri="{FF2B5EF4-FFF2-40B4-BE49-F238E27FC236}">
-                    <a16:creationId xmlns="" xmlns:p14="http://schemas.microsoft.com/office/powerpoint/2010/main" xmlns:a16="http://schemas.microsoft.com/office/drawing/2014/main" id="{07140A8C-1EA3-4B93-A70D-77B21A137F2D}"/>
+                    <a16:creationId xmlns:a16="http://schemas.microsoft.com/office/drawing/2014/main" xmlns:p14="http://schemas.microsoft.com/office/powerpoint/2010/main" xmlns="" id="{07140A8C-1EA3-4B93-A70D-77B21A137F2D}"/>
                   </a:ext>
                 </a:extLst>
               </p:cNvPr>
@@ -14590,7 +14578,7 @@
               <p:cNvPr id="19" name="任意多边形 113">
                 <a:extLst>
                   <a:ext uri="{FF2B5EF4-FFF2-40B4-BE49-F238E27FC236}">
-                    <a16:creationId xmlns="" xmlns:p14="http://schemas.microsoft.com/office/powerpoint/2010/main" xmlns:a16="http://schemas.microsoft.com/office/drawing/2014/main" id="{91C513BA-EB3E-4EC0-86D5-D158736E5F57}"/>
+                    <a16:creationId xmlns:a16="http://schemas.microsoft.com/office/drawing/2014/main" xmlns:p14="http://schemas.microsoft.com/office/powerpoint/2010/main" xmlns="" id="{91C513BA-EB3E-4EC0-86D5-D158736E5F57}"/>
                   </a:ext>
                 </a:extLst>
               </p:cNvPr>
@@ -14728,7 +14716,7 @@
               <p:cNvPr id="20" name="组合 114">
                 <a:extLst>
                   <a:ext uri="{FF2B5EF4-FFF2-40B4-BE49-F238E27FC236}">
-                    <a16:creationId xmlns="" xmlns:p14="http://schemas.microsoft.com/office/powerpoint/2010/main" xmlns:a16="http://schemas.microsoft.com/office/drawing/2014/main" id="{62CD7BAE-D5D1-4E39-9FBE-0BB137791422}"/>
+                    <a16:creationId xmlns:a16="http://schemas.microsoft.com/office/drawing/2014/main" xmlns:p14="http://schemas.microsoft.com/office/powerpoint/2010/main" xmlns="" id="{62CD7BAE-D5D1-4E39-9FBE-0BB137791422}"/>
                   </a:ext>
                 </a:extLst>
               </p:cNvPr>
@@ -14751,7 +14739,7 @@
                 <p:cNvPr id="21" name="组合 115">
                   <a:extLst>
                     <a:ext uri="{FF2B5EF4-FFF2-40B4-BE49-F238E27FC236}">
-                      <a16:creationId xmlns="" xmlns:p14="http://schemas.microsoft.com/office/powerpoint/2010/main" xmlns:a16="http://schemas.microsoft.com/office/drawing/2014/main" id="{62CD7BAE-D5D1-4E39-9FBE-0BB137791422}"/>
+                      <a16:creationId xmlns:a16="http://schemas.microsoft.com/office/drawing/2014/main" xmlns:p14="http://schemas.microsoft.com/office/powerpoint/2010/main" xmlns="" id="{62CD7BAE-D5D1-4E39-9FBE-0BB137791422}"/>
                     </a:ext>
                   </a:extLst>
                 </p:cNvPr>
@@ -14774,7 +14762,7 @@
                   <p:cNvPr id="34" name="任意多边形 116">
                     <a:extLst>
                       <a:ext uri="{FF2B5EF4-FFF2-40B4-BE49-F238E27FC236}">
-                        <a16:creationId xmlns="" xmlns:p14="http://schemas.microsoft.com/office/powerpoint/2010/main" xmlns:a16="http://schemas.microsoft.com/office/drawing/2014/main" id="{BC968983-0DB0-4BDB-B5C3-F22113C41360}"/>
+                        <a16:creationId xmlns:a16="http://schemas.microsoft.com/office/drawing/2014/main" xmlns:p14="http://schemas.microsoft.com/office/powerpoint/2010/main" xmlns="" id="{BC968983-0DB0-4BDB-B5C3-F22113C41360}"/>
                       </a:ext>
                     </a:extLst>
                   </p:cNvPr>
@@ -15254,7 +15242,7 @@
                   <p:cNvPr id="35" name="任意多边形 117">
                     <a:extLst>
                       <a:ext uri="{FF2B5EF4-FFF2-40B4-BE49-F238E27FC236}">
-                        <a16:creationId xmlns="" xmlns:p14="http://schemas.microsoft.com/office/powerpoint/2010/main" xmlns:a16="http://schemas.microsoft.com/office/drawing/2014/main" id="{D4236EEF-1C98-45BE-A4CB-79C8581F3B98}"/>
+                        <a16:creationId xmlns:a16="http://schemas.microsoft.com/office/drawing/2014/main" xmlns:p14="http://schemas.microsoft.com/office/powerpoint/2010/main" xmlns="" id="{D4236EEF-1C98-45BE-A4CB-79C8581F3B98}"/>
                       </a:ext>
                     </a:extLst>
                   </p:cNvPr>
@@ -15439,7 +15427,7 @@
                 <p:cNvPr id="22" name="组合 118">
                   <a:extLst>
                     <a:ext uri="{FF2B5EF4-FFF2-40B4-BE49-F238E27FC236}">
-                      <a16:creationId xmlns="" xmlns:p14="http://schemas.microsoft.com/office/powerpoint/2010/main" xmlns:a16="http://schemas.microsoft.com/office/drawing/2014/main" id="{62CD7BAE-D5D1-4E39-9FBE-0BB137791422}"/>
+                      <a16:creationId xmlns:a16="http://schemas.microsoft.com/office/drawing/2014/main" xmlns:p14="http://schemas.microsoft.com/office/powerpoint/2010/main" xmlns="" id="{62CD7BAE-D5D1-4E39-9FBE-0BB137791422}"/>
                     </a:ext>
                   </a:extLst>
                 </p:cNvPr>
@@ -15462,7 +15450,7 @@
                   <p:cNvPr id="31" name="任意多边形 119">
                     <a:extLst>
                       <a:ext uri="{FF2B5EF4-FFF2-40B4-BE49-F238E27FC236}">
-                        <a16:creationId xmlns="" xmlns:p14="http://schemas.microsoft.com/office/powerpoint/2010/main" xmlns:a16="http://schemas.microsoft.com/office/drawing/2014/main" id="{1703C7A4-3446-405E-9AD6-2B7BE902472C}"/>
+                        <a16:creationId xmlns:a16="http://schemas.microsoft.com/office/drawing/2014/main" xmlns:p14="http://schemas.microsoft.com/office/powerpoint/2010/main" xmlns="" id="{1703C7A4-3446-405E-9AD6-2B7BE902472C}"/>
                       </a:ext>
                     </a:extLst>
                   </p:cNvPr>
@@ -15746,7 +15734,7 @@
                   <p:cNvPr id="32" name="任意多边形 120">
                     <a:extLst>
                       <a:ext uri="{FF2B5EF4-FFF2-40B4-BE49-F238E27FC236}">
-                        <a16:creationId xmlns="" xmlns:p14="http://schemas.microsoft.com/office/powerpoint/2010/main" xmlns:a16="http://schemas.microsoft.com/office/drawing/2014/main" id="{D9AE9712-33AC-4B8B-B752-E6A4FBBA9EB8}"/>
+                        <a16:creationId xmlns:a16="http://schemas.microsoft.com/office/drawing/2014/main" xmlns:p14="http://schemas.microsoft.com/office/powerpoint/2010/main" xmlns="" id="{D9AE9712-33AC-4B8B-B752-E6A4FBBA9EB8}"/>
                       </a:ext>
                     </a:extLst>
                   </p:cNvPr>
@@ -15858,7 +15846,7 @@
                   <p:cNvPr id="33" name="任意多边形 121">
                     <a:extLst>
                       <a:ext uri="{FF2B5EF4-FFF2-40B4-BE49-F238E27FC236}">
-                        <a16:creationId xmlns="" xmlns:p14="http://schemas.microsoft.com/office/powerpoint/2010/main" xmlns:a16="http://schemas.microsoft.com/office/drawing/2014/main" id="{AE104FE6-D40D-4B27-9A11-A96D89C521B3}"/>
+                        <a16:creationId xmlns:a16="http://schemas.microsoft.com/office/drawing/2014/main" xmlns:p14="http://schemas.microsoft.com/office/powerpoint/2010/main" xmlns="" id="{AE104FE6-D40D-4B27-9A11-A96D89C521B3}"/>
                       </a:ext>
                     </a:extLst>
                   </p:cNvPr>
@@ -16091,7 +16079,7 @@
                 <p:cNvPr id="23" name="组合 122">
                   <a:extLst>
                     <a:ext uri="{FF2B5EF4-FFF2-40B4-BE49-F238E27FC236}">
-                      <a16:creationId xmlns="" xmlns:p14="http://schemas.microsoft.com/office/powerpoint/2010/main" xmlns:a16="http://schemas.microsoft.com/office/drawing/2014/main" id="{62CD7BAE-D5D1-4E39-9FBE-0BB137791422}"/>
+                      <a16:creationId xmlns:a16="http://schemas.microsoft.com/office/drawing/2014/main" xmlns:p14="http://schemas.microsoft.com/office/powerpoint/2010/main" xmlns="" id="{62CD7BAE-D5D1-4E39-9FBE-0BB137791422}"/>
                     </a:ext>
                   </a:extLst>
                 </p:cNvPr>
@@ -16114,7 +16102,7 @@
                   <p:cNvPr id="28" name="任意多边形 123">
                     <a:extLst>
                       <a:ext uri="{FF2B5EF4-FFF2-40B4-BE49-F238E27FC236}">
-                        <a16:creationId xmlns="" xmlns:p14="http://schemas.microsoft.com/office/powerpoint/2010/main" xmlns:a16="http://schemas.microsoft.com/office/drawing/2014/main" id="{9E45218A-AFC4-4160-B780-9029D26304BF}"/>
+                        <a16:creationId xmlns:a16="http://schemas.microsoft.com/office/drawing/2014/main" xmlns:p14="http://schemas.microsoft.com/office/powerpoint/2010/main" xmlns="" id="{9E45218A-AFC4-4160-B780-9029D26304BF}"/>
                       </a:ext>
                     </a:extLst>
                   </p:cNvPr>
@@ -16370,7 +16358,7 @@
                   <p:cNvPr id="29" name="任意多边形 124">
                     <a:extLst>
                       <a:ext uri="{FF2B5EF4-FFF2-40B4-BE49-F238E27FC236}">
-                        <a16:creationId xmlns="" xmlns:p14="http://schemas.microsoft.com/office/powerpoint/2010/main" xmlns:a16="http://schemas.microsoft.com/office/drawing/2014/main" id="{B6C5C5FC-7EDD-4B88-9572-F8145A4864D2}"/>
+                        <a16:creationId xmlns:a16="http://schemas.microsoft.com/office/drawing/2014/main" xmlns:p14="http://schemas.microsoft.com/office/powerpoint/2010/main" xmlns="" id="{B6C5C5FC-7EDD-4B88-9572-F8145A4864D2}"/>
                       </a:ext>
                     </a:extLst>
                   </p:cNvPr>
@@ -16674,7 +16662,7 @@
                   <p:cNvPr id="30" name="任意多边形 125">
                     <a:extLst>
                       <a:ext uri="{FF2B5EF4-FFF2-40B4-BE49-F238E27FC236}">
-                        <a16:creationId xmlns="" xmlns:p14="http://schemas.microsoft.com/office/powerpoint/2010/main" xmlns:a16="http://schemas.microsoft.com/office/drawing/2014/main" id="{F0A32123-6D0A-4883-B74F-BCA9722921ED}"/>
+                        <a16:creationId xmlns:a16="http://schemas.microsoft.com/office/drawing/2014/main" xmlns:p14="http://schemas.microsoft.com/office/powerpoint/2010/main" xmlns="" id="{F0A32123-6D0A-4883-B74F-BCA9722921ED}"/>
                       </a:ext>
                     </a:extLst>
                   </p:cNvPr>
@@ -16839,7 +16827,7 @@
                 <p:cNvPr id="24" name="组合 126">
                   <a:extLst>
                     <a:ext uri="{FF2B5EF4-FFF2-40B4-BE49-F238E27FC236}">
-                      <a16:creationId xmlns="" xmlns:p14="http://schemas.microsoft.com/office/powerpoint/2010/main" xmlns:a16="http://schemas.microsoft.com/office/drawing/2014/main" id="{62CD7BAE-D5D1-4E39-9FBE-0BB137791422}"/>
+                      <a16:creationId xmlns:a16="http://schemas.microsoft.com/office/drawing/2014/main" xmlns:p14="http://schemas.microsoft.com/office/powerpoint/2010/main" xmlns="" id="{62CD7BAE-D5D1-4E39-9FBE-0BB137791422}"/>
                     </a:ext>
                   </a:extLst>
                 </p:cNvPr>
@@ -16862,7 +16850,7 @@
                   <p:cNvPr id="25" name="任意多边形 127">
                     <a:extLst>
                       <a:ext uri="{FF2B5EF4-FFF2-40B4-BE49-F238E27FC236}">
-                        <a16:creationId xmlns="" xmlns:p14="http://schemas.microsoft.com/office/powerpoint/2010/main" xmlns:a16="http://schemas.microsoft.com/office/drawing/2014/main" id="{2D756F9A-B401-42B7-B018-4A3A4FDAFA7F}"/>
+                        <a16:creationId xmlns:a16="http://schemas.microsoft.com/office/drawing/2014/main" xmlns:p14="http://schemas.microsoft.com/office/powerpoint/2010/main" xmlns="" id="{2D756F9A-B401-42B7-B018-4A3A4FDAFA7F}"/>
                       </a:ext>
                     </a:extLst>
                   </p:cNvPr>
@@ -17060,7 +17048,7 @@
                   <p:cNvPr id="26" name="任意多边形 128">
                     <a:extLst>
                       <a:ext uri="{FF2B5EF4-FFF2-40B4-BE49-F238E27FC236}">
-                        <a16:creationId xmlns="" xmlns:p14="http://schemas.microsoft.com/office/powerpoint/2010/main" xmlns:a16="http://schemas.microsoft.com/office/drawing/2014/main" id="{7616799D-A65F-497E-96F4-6AD6FAB0F5F5}"/>
+                        <a16:creationId xmlns:a16="http://schemas.microsoft.com/office/drawing/2014/main" xmlns:p14="http://schemas.microsoft.com/office/powerpoint/2010/main" xmlns="" id="{7616799D-A65F-497E-96F4-6AD6FAB0F5F5}"/>
                       </a:ext>
                     </a:extLst>
                   </p:cNvPr>
@@ -17184,7 +17172,7 @@
                   <p:cNvPr id="27" name="任意多边形 129">
                     <a:extLst>
                       <a:ext uri="{FF2B5EF4-FFF2-40B4-BE49-F238E27FC236}">
-                        <a16:creationId xmlns="" xmlns:p14="http://schemas.microsoft.com/office/powerpoint/2010/main" xmlns:a16="http://schemas.microsoft.com/office/drawing/2014/main" id="{08EBE82D-2C41-4AEF-A48D-E53488499106}"/>
+                        <a16:creationId xmlns:a16="http://schemas.microsoft.com/office/drawing/2014/main" xmlns:p14="http://schemas.microsoft.com/office/powerpoint/2010/main" xmlns="" id="{08EBE82D-2C41-4AEF-A48D-E53488499106}"/>
                       </a:ext>
                     </a:extLst>
                   </p:cNvPr>
@@ -17332,11 +17320,7 @@
           <a:p>
             <a:r>
               <a:rPr lang="en-US" altLang="zh-CN" smtClean="0"/>
-              <a:t>www</a:t>
-            </a:r>
-            <a:r>
-              <a:rPr lang="en-US" altLang="zh-CN" smtClean="0"/>
-              <a:t>.</a:t>
+              <a:t>www.</a:t>
             </a:r>
             <a:r>
               <a:rPr lang="en-US" altLang="zh-CN" sz="100" smtClean="0"/>
@@ -17409,7 +17393,6 @@
               <a:rPr lang="zh-CN" altLang="en-US" dirty="0"/>
               <a:t>共现矩阵</a:t>
             </a:r>
-            <a:endParaRPr lang="zh-CN" altLang="en-US" dirty="0"/>
           </a:p>
         </p:txBody>
       </p:sp>
@@ -17616,11 +17599,7 @@
           <a:p>
             <a:r>
               <a:rPr lang="en-US" altLang="zh-CN" smtClean="0"/>
-              <a:t>www</a:t>
-            </a:r>
-            <a:r>
-              <a:rPr lang="en-US" altLang="zh-CN" smtClean="0"/>
-              <a:t>.</a:t>
+              <a:t>www.</a:t>
             </a:r>
             <a:r>
               <a:rPr lang="en-US" altLang="zh-CN" sz="100" smtClean="0"/>
@@ -17693,7 +17672,6 @@
               <a:rPr lang="zh-CN" altLang="en-US" dirty="0"/>
               <a:t>共现矩阵</a:t>
             </a:r>
-            <a:endParaRPr lang="zh-CN" altLang="en-US" dirty="0"/>
           </a:p>
         </p:txBody>
       </p:sp>
@@ -17838,11 +17816,7 @@
           <a:p>
             <a:r>
               <a:rPr lang="en-US" altLang="zh-CN" smtClean="0"/>
-              <a:t>www</a:t>
-            </a:r>
-            <a:r>
-              <a:rPr lang="en-US" altLang="zh-CN" smtClean="0"/>
-              <a:t>.</a:t>
+              <a:t>www.</a:t>
             </a:r>
             <a:r>
               <a:rPr lang="en-US" altLang="zh-CN" sz="100" smtClean="0"/>
@@ -18088,7 +18062,7 @@
           <p:cNvPr id="9" name="文本框 8">
             <a:extLst>
               <a:ext uri="{FF2B5EF4-FFF2-40B4-BE49-F238E27FC236}">
-                <a16:creationId xmlns:a16="http://schemas.microsoft.com/office/drawing/2014/main" xmlns:p14="http://schemas.microsoft.com/office/powerpoint/2010/main" xmlns="" id="{04F69230-F3A6-4586-9371-A858F4763E9F}"/>
+                <a16:creationId xmlns="" xmlns:p14="http://schemas.microsoft.com/office/powerpoint/2010/main" xmlns:a16="http://schemas.microsoft.com/office/drawing/2014/main" id="{04F69230-F3A6-4586-9371-A858F4763E9F}"/>
               </a:ext>
             </a:extLst>
           </p:cNvPr>
@@ -18202,11 +18176,7 @@
           <a:p>
             <a:r>
               <a:rPr lang="en-US" altLang="zh-CN" dirty="0" smtClean="0"/>
-              <a:t>www</a:t>
-            </a:r>
-            <a:r>
-              <a:rPr lang="en-US" altLang="zh-CN" dirty="0" smtClean="0"/>
-              <a:t>.</a:t>
+              <a:t>www.</a:t>
             </a:r>
             <a:r>
               <a:rPr lang="en-US" altLang="zh-CN" sz="100" dirty="0" smtClean="0"/>
@@ -18596,11 +18566,7 @@
           <a:p>
             <a:r>
               <a:rPr lang="en-US" altLang="zh-CN" smtClean="0"/>
-              <a:t>www</a:t>
-            </a:r>
-            <a:r>
-              <a:rPr lang="en-US" altLang="zh-CN" smtClean="0"/>
-              <a:t>.</a:t>
+              <a:t>www.</a:t>
             </a:r>
             <a:r>
               <a:rPr lang="en-US" altLang="zh-CN" sz="100" smtClean="0"/>
@@ -18794,7 +18760,7 @@
           <p:cNvPr id="2" name="组合 1">
             <a:extLst>
               <a:ext uri="{FF2B5EF4-FFF2-40B4-BE49-F238E27FC236}">
-                <a16:creationId xmlns:a16="http://schemas.microsoft.com/office/drawing/2014/main" xmlns:p14="http://schemas.microsoft.com/office/powerpoint/2010/main" xmlns="" id="{C0498D3A-B738-48EC-A39C-94C58B88932B}"/>
+                <a16:creationId xmlns="" xmlns:p14="http://schemas.microsoft.com/office/powerpoint/2010/main" xmlns:a16="http://schemas.microsoft.com/office/drawing/2014/main" id="{C0498D3A-B738-48EC-A39C-94C58B88932B}"/>
               </a:ext>
             </a:extLst>
           </p:cNvPr>
@@ -18814,7 +18780,7 @@
             <p:cNvPr id="6" name="2b751056-6b97-492c-b763-340acee7e99d" descr="本素材由iSlide™ 提供&#10;iSlide™尊重知识产权并注重保护用户享有的各项权利。郑重提醒您：&#10;iSlide™插件中提供的任何信息内容的所有权、知识产权归其原始权利人或权利受让人所有，您免费/购买获得的是信息内容的使用权，并受下述条款的约束；&#10;1. 您仅可以个人非商业用途使用该等信息内容，不可将信息内容的全部或部分用于出售，或以出租、出借、转让、分销、发布等其他任何方式供他人使用；&#10;2. 禁止在接入互联网或移动互联网的任何网站、平台、应用或程序上以任何方式为他人提供iSlide™插件资源内容的下载。&#10;The resource is supplied by iSlide™.&#10;iSlide™ respects all intellectual property rights and protects all the rights its users acquired.Solemnly remind you:&#10;The ownership and intellectual property of the resources supplied in iSlide Add-in belongs to its owner or the assignee of this ownership.you only acquired the usage of the resources supplied in iSlide Add-in, as well as respected the following restrain terms:&#10;1.You are only allowed to use such resource for personal and non-commercial aim, not allowed to use such resource or part of it for the sale; or rent, lend, transfer to others; or distribution or release it in any way.&#10;2.You are not permitted to provide the resource of iSlide Add-in in any website, platform, application access to the Internet or mobile Internet." title="iSlide™ 版权声明  COPYRIGHT NOTICE">
               <a:extLst>
                 <a:ext uri="{FF2B5EF4-FFF2-40B4-BE49-F238E27FC236}">
-                  <a16:creationId xmlns:a16="http://schemas.microsoft.com/office/drawing/2014/main" xmlns:p14="http://schemas.microsoft.com/office/powerpoint/2010/main" xmlns="" id="{A759C196-DA28-4241-ABB5-975367026FE9}"/>
+                  <a16:creationId xmlns="" xmlns:p14="http://schemas.microsoft.com/office/powerpoint/2010/main" xmlns:a16="http://schemas.microsoft.com/office/drawing/2014/main" id="{A759C196-DA28-4241-ABB5-975367026FE9}"/>
                 </a:ext>
               </a:extLst>
             </p:cNvPr>
@@ -18836,7 +18802,7 @@
               <p:cNvPr id="7" name="iṡľïḑè">
                 <a:extLst>
                   <a:ext uri="{FF2B5EF4-FFF2-40B4-BE49-F238E27FC236}">
-                    <a16:creationId xmlns:a16="http://schemas.microsoft.com/office/drawing/2014/main" xmlns:p14="http://schemas.microsoft.com/office/powerpoint/2010/main" xmlns="" id="{48F70259-7598-4270-874A-6F50772D10F6}"/>
+                    <a16:creationId xmlns="" xmlns:p14="http://schemas.microsoft.com/office/powerpoint/2010/main" xmlns:a16="http://schemas.microsoft.com/office/drawing/2014/main" id="{48F70259-7598-4270-874A-6F50772D10F6}"/>
                   </a:ext>
                 </a:extLst>
               </p:cNvPr>
@@ -19093,11 +19059,6 @@
                   </a:rPr>
                   <a:t>Word2Vec</a:t>
                 </a:r>
-                <a:endParaRPr lang="en-US" altLang="zh-CN" b="0" dirty="0">
-                  <a:latin typeface="+mn-lt"/>
-                  <a:ea typeface="+mn-ea"/>
-                  <a:sym typeface="+mn-lt"/>
-                </a:endParaRPr>
               </a:p>
             </p:txBody>
           </p:sp>
@@ -19106,7 +19067,7 @@
               <p:cNvPr id="8" name="直接连接符 7">
                 <a:extLst>
                   <a:ext uri="{FF2B5EF4-FFF2-40B4-BE49-F238E27FC236}">
-                    <a16:creationId xmlns:a16="http://schemas.microsoft.com/office/drawing/2014/main" xmlns:p14="http://schemas.microsoft.com/office/powerpoint/2010/main" xmlns="" id="{DA1FB18E-FA01-4588-BEF9-FB96A98A84D4}"/>
+                    <a16:creationId xmlns="" xmlns:p14="http://schemas.microsoft.com/office/powerpoint/2010/main" xmlns:a16="http://schemas.microsoft.com/office/drawing/2014/main" id="{DA1FB18E-FA01-4588-BEF9-FB96A98A84D4}"/>
                   </a:ext>
                 </a:extLst>
               </p:cNvPr>
@@ -19145,7 +19106,7 @@
               <p:cNvPr id="9" name="išľïḋé">
                 <a:extLst>
                   <a:ext uri="{FF2B5EF4-FFF2-40B4-BE49-F238E27FC236}">
-                    <a16:creationId xmlns:a16="http://schemas.microsoft.com/office/drawing/2014/main" xmlns:p14="http://schemas.microsoft.com/office/powerpoint/2010/main" xmlns="" id="{0DB1D0A1-2667-455C-9387-D7ABF0A00B8C}"/>
+                    <a16:creationId xmlns="" xmlns:p14="http://schemas.microsoft.com/office/powerpoint/2010/main" xmlns:a16="http://schemas.microsoft.com/office/drawing/2014/main" id="{0DB1D0A1-2667-455C-9387-D7ABF0A00B8C}"/>
                   </a:ext>
                 </a:extLst>
               </p:cNvPr>
@@ -19217,7 +19178,7 @@
             <p:cNvPr id="10" name="poetry_91022">
               <a:extLst>
                 <a:ext uri="{FF2B5EF4-FFF2-40B4-BE49-F238E27FC236}">
-                  <a16:creationId xmlns:a16="http://schemas.microsoft.com/office/drawing/2014/main" xmlns:p14="http://schemas.microsoft.com/office/powerpoint/2010/main" xmlns="" id="{ADAD6BE3-DC11-4582-9F68-50D831ADD001}"/>
+                  <a16:creationId xmlns="" xmlns:p14="http://schemas.microsoft.com/office/powerpoint/2010/main" xmlns:a16="http://schemas.microsoft.com/office/drawing/2014/main" id="{ADAD6BE3-DC11-4582-9F68-50D831ADD001}"/>
                 </a:ext>
               </a:extLst>
             </p:cNvPr>
@@ -19863,11 +19824,7 @@
           <a:p>
             <a:r>
               <a:rPr lang="en-US" altLang="zh-CN" smtClean="0"/>
-              <a:t>www</a:t>
-            </a:r>
-            <a:r>
-              <a:rPr lang="en-US" altLang="zh-CN" smtClean="0"/>
-              <a:t>.</a:t>
+              <a:t>www.</a:t>
             </a:r>
             <a:r>
               <a:rPr lang="en-US" altLang="zh-CN" sz="100" smtClean="0"/>
@@ -20059,11 +20016,7 @@
           <a:p>
             <a:r>
               <a:rPr lang="en-US" altLang="zh-CN" smtClean="0"/>
-              <a:t>www</a:t>
-            </a:r>
-            <a:r>
-              <a:rPr lang="en-US" altLang="zh-CN" smtClean="0"/>
-              <a:t>.</a:t>
+              <a:t>www.</a:t>
             </a:r>
             <a:r>
               <a:rPr lang="en-US" altLang="zh-CN" sz="100" smtClean="0"/>
@@ -20487,7 +20440,7 @@
           <p:cNvPr id="9" name="文本框 8">
             <a:extLst>
               <a:ext uri="{FF2B5EF4-FFF2-40B4-BE49-F238E27FC236}">
-                <a16:creationId xmlns:a16="http://schemas.microsoft.com/office/drawing/2014/main" xmlns:p14="http://schemas.microsoft.com/office/powerpoint/2010/main" xmlns="" id="{04F69230-F3A6-4586-9371-A858F4763E9F}"/>
+                <a16:creationId xmlns="" xmlns:p14="http://schemas.microsoft.com/office/powerpoint/2010/main" xmlns:a16="http://schemas.microsoft.com/office/drawing/2014/main" id="{04F69230-F3A6-4586-9371-A858F4763E9F}"/>
               </a:ext>
             </a:extLst>
           </p:cNvPr>
@@ -20601,11 +20554,7 @@
           <a:p>
             <a:r>
               <a:rPr lang="en-US" altLang="zh-CN" smtClean="0"/>
-              <a:t>www</a:t>
-            </a:r>
-            <a:r>
-              <a:rPr lang="en-US" altLang="zh-CN" smtClean="0"/>
-              <a:t>.</a:t>
+              <a:t>www.</a:t>
             </a:r>
             <a:r>
               <a:rPr lang="en-US" altLang="zh-CN" sz="100" smtClean="0"/>
@@ -20769,7 +20718,6 @@
               <a:rPr lang="zh-TW" altLang="en-US" dirty="0"/>
               <a:t>简单。</a:t>
             </a:r>
-            <a:endParaRPr lang="zh-TW" altLang="en-US" dirty="0"/>
           </a:p>
         </p:txBody>
       </p:sp>
@@ -20871,11 +20819,7 @@
           <a:p>
             <a:r>
               <a:rPr lang="en-US" altLang="zh-CN" smtClean="0"/>
-              <a:t>www</a:t>
-            </a:r>
-            <a:r>
-              <a:rPr lang="en-US" altLang="zh-CN" smtClean="0"/>
-              <a:t>.</a:t>
+              <a:t>www.</a:t>
             </a:r>
             <a:r>
               <a:rPr lang="en-US" altLang="zh-CN" sz="100" smtClean="0"/>
@@ -21187,11 +21131,7 @@
           <a:p>
             <a:r>
               <a:rPr lang="en-US" altLang="zh-CN" smtClean="0"/>
-              <a:t>www</a:t>
-            </a:r>
-            <a:r>
-              <a:rPr lang="en-US" altLang="zh-CN" smtClean="0"/>
-              <a:t>.</a:t>
+              <a:t>www.</a:t>
             </a:r>
             <a:r>
               <a:rPr lang="en-US" altLang="zh-CN" sz="100" smtClean="0"/>
@@ -21458,11 +21398,7 @@
           <a:p>
             <a:r>
               <a:rPr lang="en-US" altLang="zh-CN" smtClean="0"/>
-              <a:t>www</a:t>
-            </a:r>
-            <a:r>
-              <a:rPr lang="en-US" altLang="zh-CN" smtClean="0"/>
-              <a:t>.</a:t>
+              <a:t>www.</a:t>
             </a:r>
             <a:r>
               <a:rPr lang="en-US" altLang="zh-CN" sz="100" smtClean="0"/>
@@ -21807,12 +21743,143 @@
           <a:chExt cx="0" cy="0"/>
         </a:xfrm>
       </p:grpSpPr>
+      <p:sp>
+        <p:nvSpPr>
+          <p:cNvPr id="2" name="頁尾版面配置區 1"/>
+          <p:cNvSpPr>
+            <a:spLocks noGrp="1"/>
+          </p:cNvSpPr>
+          <p:nvPr>
+            <p:ph type="ftr" sz="quarter" idx="11"/>
+          </p:nvPr>
+        </p:nvSpPr>
+        <p:spPr/>
+        <p:txBody>
+          <a:bodyPr/>
+          <a:lstStyle/>
+          <a:p>
+            <a:r>
+              <a:rPr lang="en-US" altLang="zh-CN" smtClean="0"/>
+              <a:t>www.islide.cc</a:t>
+            </a:r>
+            <a:endParaRPr lang="zh-CN" altLang="en-US" dirty="0"/>
+          </a:p>
+        </p:txBody>
+      </p:sp>
+      <p:sp>
+        <p:nvSpPr>
+          <p:cNvPr id="3" name="投影片編號版面配置區 2"/>
+          <p:cNvSpPr>
+            <a:spLocks noGrp="1"/>
+          </p:cNvSpPr>
+          <p:nvPr>
+            <p:ph type="sldNum" sz="quarter" idx="12"/>
+          </p:nvPr>
+        </p:nvSpPr>
+        <p:spPr/>
+        <p:txBody>
+          <a:bodyPr/>
+          <a:lstStyle/>
+          <a:p>
+            <a:fld id="{5DD3DB80-B894-403A-B48E-6FDC1A72010E}" type="slidenum">
+              <a:rPr lang="zh-CN" altLang="en-US" smtClean="0"/>
+              <a:pPr/>
+              <a:t>27</a:t>
+            </a:fld>
+            <a:endParaRPr lang="zh-CN" altLang="en-US"/>
+          </a:p>
+        </p:txBody>
+      </p:sp>
+      <p:sp>
+        <p:nvSpPr>
+          <p:cNvPr id="4" name="標題 3"/>
+          <p:cNvSpPr>
+            <a:spLocks noGrp="1"/>
+          </p:cNvSpPr>
+          <p:nvPr>
+            <p:ph type="title"/>
+          </p:nvPr>
+        </p:nvSpPr>
+        <p:spPr/>
+        <p:txBody>
+          <a:bodyPr/>
+          <a:lstStyle/>
+          <a:p>
+            <a:r>
+              <a:rPr lang="en-US" altLang="zh-TW" dirty="0" smtClean="0"/>
+              <a:t>Demo</a:t>
+            </a:r>
+            <a:endParaRPr lang="zh-TW" altLang="en-US" dirty="0"/>
+          </a:p>
+        </p:txBody>
+      </p:sp>
+      <p:sp>
+        <p:nvSpPr>
+          <p:cNvPr id="5" name="內容版面配置區 4"/>
+          <p:cNvSpPr>
+            <a:spLocks noGrp="1"/>
+          </p:cNvSpPr>
+          <p:nvPr>
+            <p:ph sz="quarter" idx="13"/>
+          </p:nvPr>
+        </p:nvSpPr>
+        <p:spPr/>
+        <p:txBody>
+          <a:bodyPr/>
+          <a:lstStyle/>
+          <a:p>
+            <a:r>
+              <a:rPr lang="en-US" altLang="zh-TW" dirty="0"/>
+              <a:t>word2vec_ex.ipynb</a:t>
+            </a:r>
+          </a:p>
+          <a:p>
+            <a:r>
+              <a:rPr lang="en-US" altLang="zh-TW"/>
+              <a:t>word2vec_tf_ex.ipynb</a:t>
+            </a:r>
+          </a:p>
+          <a:p>
+            <a:endParaRPr lang="zh-TW" altLang="en-US"/>
+          </a:p>
+        </p:txBody>
+      </p:sp>
+    </p:spTree>
+    <p:extLst>
+      <p:ext uri="{BB962C8B-B14F-4D97-AF65-F5344CB8AC3E}">
+        <p14:creationId xmlns:p14="http://schemas.microsoft.com/office/powerpoint/2010/main" val="3805501868"/>
+      </p:ext>
+    </p:extLst>
+  </p:cSld>
+  <p:clrMapOvr>
+    <a:masterClrMapping/>
+  </p:clrMapOvr>
+</p:sld>
+</file>
+
+<file path=ppt/slides/slide28.xml><?xml version="1.0" encoding="utf-8"?>
+<p:sld xmlns:a="http://schemas.openxmlformats.org/drawingml/2006/main" xmlns:r="http://schemas.openxmlformats.org/officeDocument/2006/relationships" xmlns:p="http://schemas.openxmlformats.org/presentationml/2006/main">
+  <p:cSld>
+    <p:spTree>
+      <p:nvGrpSpPr>
+        <p:cNvPr id="1" name=""/>
+        <p:cNvGrpSpPr/>
+        <p:nvPr/>
+      </p:nvGrpSpPr>
+      <p:grpSpPr>
+        <a:xfrm>
+          <a:off x="0" y="0"/>
+          <a:ext cx="0" cy="0"/>
+          <a:chOff x="0" y="0"/>
+          <a:chExt cx="0" cy="0"/>
+        </a:xfrm>
+      </p:grpSpPr>
       <p:graphicFrame>
         <p:nvGraphicFramePr>
           <p:cNvPr id="3" name="对象 2" hidden="1">
             <a:extLst>
               <a:ext uri="{FF2B5EF4-FFF2-40B4-BE49-F238E27FC236}">
-                <a16:creationId xmlns:a16="http://schemas.microsoft.com/office/drawing/2014/main" xmlns:v="urn:schemas-microsoft-com:vml" xmlns:mc="http://schemas.openxmlformats.org/markup-compatibility/2006" xmlns:p14="http://schemas.microsoft.com/office/powerpoint/2010/main" xmlns="" id="{A6A819F1-33AF-45D7-8BF6-2B0A9769CAD4}"/>
+                <a16:creationId xmlns="" xmlns:p14="http://schemas.microsoft.com/office/powerpoint/2010/main" xmlns:mc="http://schemas.openxmlformats.org/markup-compatibility/2006" xmlns:v="urn:schemas-microsoft-com:vml" xmlns:a16="http://schemas.microsoft.com/office/drawing/2014/main" id="{A6A819F1-33AF-45D7-8BF6-2B0A9769CAD4}"/>
               </a:ext>
             </a:extLst>
           </p:cNvPr>
@@ -21835,7 +21902,7 @@
           <a:graphicData uri="http://schemas.openxmlformats.org/presentationml/2006/ole">
             <mc:AlternateContent xmlns:mc="http://schemas.openxmlformats.org/markup-compatibility/2006">
               <mc:Choice xmlns:v="urn:schemas-microsoft-com:vml" Requires="v">
-                <p:oleObj spid="_x0000_s3148" name="think-cell Slide" r:id="rId5" imgW="347" imgH="348" progId="TCLayout.ActiveDocument.1">
+                <p:oleObj spid="_x0000_s3149" name="think-cell Slide" r:id="rId5" imgW="347" imgH="348" progId="TCLayout.ActiveDocument.1">
                   <p:embed/>
                 </p:oleObj>
               </mc:Choice>
@@ -21847,7 +21914,7 @@
                       <p:cNvPr id="3" name="对象 2" hidden="1">
                         <a:extLst>
                           <a:ext uri="{FF2B5EF4-FFF2-40B4-BE49-F238E27FC236}">
-                            <a16:creationId xmlns:a16="http://schemas.microsoft.com/office/drawing/2014/main" xmlns:v="urn:schemas-microsoft-com:vml" xmlns:p14="http://schemas.microsoft.com/office/powerpoint/2010/main" xmlns="" id="{A6A819F1-33AF-45D7-8BF6-2B0A9769CAD4}"/>
+                            <a16:creationId xmlns="" xmlns:p14="http://schemas.microsoft.com/office/powerpoint/2010/main" xmlns:v="urn:schemas-microsoft-com:vml" xmlns:a16="http://schemas.microsoft.com/office/drawing/2014/main" id="{A6A819F1-33AF-45D7-8BF6-2B0A9769CAD4}"/>
                           </a:ext>
                         </a:extLst>
                       </p:cNvPr>
@@ -21881,7 +21948,7 @@
           <p:cNvPr id="2" name="矩形 1" hidden="1">
             <a:extLst>
               <a:ext uri="{FF2B5EF4-FFF2-40B4-BE49-F238E27FC236}">
-                <a16:creationId xmlns:a16="http://schemas.microsoft.com/office/drawing/2014/main" xmlns:v="urn:schemas-microsoft-com:vml" xmlns:mc="http://schemas.openxmlformats.org/markup-compatibility/2006" xmlns:p14="http://schemas.microsoft.com/office/powerpoint/2010/main" xmlns="" id="{FF51F16D-1BAD-46EE-A6F4-B8B94C9DF628}"/>
+                <a16:creationId xmlns="" xmlns:p14="http://schemas.microsoft.com/office/powerpoint/2010/main" xmlns:mc="http://schemas.openxmlformats.org/markup-compatibility/2006" xmlns:v="urn:schemas-microsoft-com:vml" xmlns:a16="http://schemas.microsoft.com/office/drawing/2014/main" id="{FF51F16D-1BAD-46EE-A6F4-B8B94C9DF628}"/>
               </a:ext>
             </a:extLst>
           </p:cNvPr>
@@ -22089,7 +22156,7 @@
           <p:cNvPr id="9" name="文本框 8">
             <a:extLst>
               <a:ext uri="{FF2B5EF4-FFF2-40B4-BE49-F238E27FC236}">
-                <a16:creationId xmlns:a16="http://schemas.microsoft.com/office/drawing/2014/main" xmlns:p14="http://schemas.microsoft.com/office/powerpoint/2010/main" xmlns="" id="{04F69230-F3A6-4586-9371-A858F4763E9F}"/>
+                <a16:creationId xmlns="" xmlns:p14="http://schemas.microsoft.com/office/powerpoint/2010/main" xmlns:a16="http://schemas.microsoft.com/office/drawing/2014/main" id="{04F69230-F3A6-4586-9371-A858F4763E9F}"/>
               </a:ext>
             </a:extLst>
           </p:cNvPr>
@@ -22203,11 +22270,7 @@
           <a:p>
             <a:r>
               <a:rPr lang="en-US" altLang="zh-CN" smtClean="0"/>
-              <a:t>www</a:t>
-            </a:r>
-            <a:r>
-              <a:rPr lang="en-US" altLang="zh-CN" smtClean="0"/>
-              <a:t>.</a:t>
+              <a:t>www.</a:t>
             </a:r>
             <a:r>
               <a:rPr lang="en-US" altLang="zh-CN" sz="100" smtClean="0"/>
@@ -22508,11 +22571,7 @@
           <a:p>
             <a:r>
               <a:rPr lang="en-US" altLang="zh-CN" smtClean="0"/>
-              <a:t>www</a:t>
-            </a:r>
-            <a:r>
-              <a:rPr lang="en-US" altLang="zh-CN" smtClean="0"/>
-              <a:t>.</a:t>
+              <a:t>www.</a:t>
             </a:r>
             <a:r>
               <a:rPr lang="en-US" altLang="zh-CN" sz="100" smtClean="0"/>
@@ -22818,7 +22877,7 @@
           <p:cNvPr id="9" name="文本框 8">
             <a:extLst>
               <a:ext uri="{FF2B5EF4-FFF2-40B4-BE49-F238E27FC236}">
-                <a16:creationId xmlns:a16="http://schemas.microsoft.com/office/drawing/2014/main" xmlns:p14="http://schemas.microsoft.com/office/powerpoint/2010/main" xmlns="" id="{04F69230-F3A6-4586-9371-A858F4763E9F}"/>
+                <a16:creationId xmlns="" xmlns:p14="http://schemas.microsoft.com/office/powerpoint/2010/main" xmlns:a16="http://schemas.microsoft.com/office/drawing/2014/main" id="{04F69230-F3A6-4586-9371-A858F4763E9F}"/>
               </a:ext>
             </a:extLst>
           </p:cNvPr>
@@ -22932,11 +22991,7 @@
           <a:p>
             <a:r>
               <a:rPr lang="en-US" altLang="zh-CN" smtClean="0"/>
-              <a:t>www</a:t>
-            </a:r>
-            <a:r>
-              <a:rPr lang="en-US" altLang="zh-CN" smtClean="0"/>
-              <a:t>.</a:t>
+              <a:t>www.</a:t>
             </a:r>
             <a:r>
               <a:rPr lang="en-US" altLang="zh-CN" sz="100" smtClean="0"/>
@@ -23244,11 +23299,7 @@
           <a:p>
             <a:r>
               <a:rPr lang="en-US" altLang="zh-CN" smtClean="0"/>
-              <a:t>www</a:t>
-            </a:r>
-            <a:r>
-              <a:rPr lang="en-US" altLang="zh-CN" smtClean="0"/>
-              <a:t>.</a:t>
+              <a:t>www.</a:t>
             </a:r>
             <a:r>
               <a:rPr lang="en-US" altLang="zh-CN" sz="100" smtClean="0"/>
@@ -23535,11 +23586,7 @@
           <a:p>
             <a:r>
               <a:rPr lang="en-US" altLang="zh-CN" smtClean="0"/>
-              <a:t>www</a:t>
-            </a:r>
-            <a:r>
-              <a:rPr lang="en-US" altLang="zh-CN" smtClean="0"/>
-              <a:t>.</a:t>
+              <a:t>www.</a:t>
             </a:r>
             <a:r>
               <a:rPr lang="en-US" altLang="zh-CN" sz="100" smtClean="0"/>
@@ -24310,7 +24357,7 @@
   <a:extraClrSchemeLst/>
   <a:extLst>
     <a:ext uri="{05A4C25C-085E-4340-85A3-A5531E510DB2}">
-      <thm15:themeFamily xmlns:thm15="http://schemas.microsoft.com/office/thememl/2012/main" xmlns="" name="主题5" id="{B8EDB911-D765-4A7B-BBC7-40DBB672FBA6}" vid="{AECAB1C0-5DF6-436C-85E8-20094DBE11C0}"/>
+      <thm15:themeFamily xmlns="" xmlns:thm15="http://schemas.microsoft.com/office/thememl/2012/main" name="主题5" id="{B8EDB911-D765-4A7B-BBC7-40DBB672FBA6}" vid="{AECAB1C0-5DF6-436C-85E8-20094DBE11C0}"/>
     </a:ext>
   </a:extLst>
 </a:theme>
@@ -24571,7 +24618,7 @@
   <a:extraClrSchemeLst/>
   <a:extLst>
     <a:ext uri="{05A4C25C-085E-4340-85A3-A5531E510DB2}">
-      <thm15:themeFamily xmlns:thm15="http://schemas.microsoft.com/office/thememl/2012/main" xmlns="" name="Office Theme" id="{62F939B6-93AF-4DB8-9C6B-D6C7DFDC589F}" vid="{4A3C46E8-61CC-4603-A589-7422A47A8E4A}"/>
+      <thm15:themeFamily xmlns="" xmlns:thm15="http://schemas.microsoft.com/office/thememl/2012/main" name="Office Theme" id="{62F939B6-93AF-4DB8-9C6B-D6C7DFDC589F}" vid="{4A3C46E8-61CC-4603-A589-7422A47A8E4A}"/>
     </a:ext>
   </a:extLst>
 </a:theme>
